--- a/movie_rec_pipeline.pptx
+++ b/movie_rec_pipeline.pptx
@@ -2,18 +2,18 @@
 <file path=ppt/presentation.xml><?xml version="1.0" encoding="utf-8"?>
 <p:presentation xmlns:a="http://schemas.openxmlformats.org/drawingml/2006/main" xmlns:r="http://schemas.openxmlformats.org/officeDocument/2006/relationships" xmlns:p="http://schemas.openxmlformats.org/presentationml/2006/main" saveSubsetFonts="1">
   <p:sldMasterIdLst>
-    <p:sldMasterId id="2147483648" r:id="rId4"/>
+    <p:sldMasterId id="2147483672" r:id="rId4"/>
   </p:sldMasterIdLst>
   <p:sldIdLst>
     <p:sldId id="256" r:id="rId5"/>
   </p:sldIdLst>
-  <p:sldSz cx="12192000" cy="6858000"/>
+  <p:sldSz cx="12192000" cy="5029200"/>
   <p:notesSz cx="6858000" cy="9144000"/>
   <p:defaultTextStyle>
     <a:defPPr>
       <a:defRPr lang="en-US"/>
     </a:defPPr>
-    <a:lvl1pPr marL="0" algn="l" defTabSz="914400" rtl="0" eaLnBrk="1" latinLnBrk="0" hangingPunct="1">
+    <a:lvl1pPr marL="0" algn="l" defTabSz="457200" rtl="0" eaLnBrk="1" latinLnBrk="0" hangingPunct="1">
       <a:defRPr sz="1800" kern="1200">
         <a:solidFill>
           <a:schemeClr val="tx1"/>
@@ -23,7 +23,7 @@
         <a:cs typeface="+mn-cs"/>
       </a:defRPr>
     </a:lvl1pPr>
-    <a:lvl2pPr marL="457200" algn="l" defTabSz="914400" rtl="0" eaLnBrk="1" latinLnBrk="0" hangingPunct="1">
+    <a:lvl2pPr marL="457200" algn="l" defTabSz="457200" rtl="0" eaLnBrk="1" latinLnBrk="0" hangingPunct="1">
       <a:defRPr sz="1800" kern="1200">
         <a:solidFill>
           <a:schemeClr val="tx1"/>
@@ -33,7 +33,7 @@
         <a:cs typeface="+mn-cs"/>
       </a:defRPr>
     </a:lvl2pPr>
-    <a:lvl3pPr marL="914400" algn="l" defTabSz="914400" rtl="0" eaLnBrk="1" latinLnBrk="0" hangingPunct="1">
+    <a:lvl3pPr marL="914400" algn="l" defTabSz="457200" rtl="0" eaLnBrk="1" latinLnBrk="0" hangingPunct="1">
       <a:defRPr sz="1800" kern="1200">
         <a:solidFill>
           <a:schemeClr val="tx1"/>
@@ -43,7 +43,7 @@
         <a:cs typeface="+mn-cs"/>
       </a:defRPr>
     </a:lvl3pPr>
-    <a:lvl4pPr marL="1371600" algn="l" defTabSz="914400" rtl="0" eaLnBrk="1" latinLnBrk="0" hangingPunct="1">
+    <a:lvl4pPr marL="1371600" algn="l" defTabSz="457200" rtl="0" eaLnBrk="1" latinLnBrk="0" hangingPunct="1">
       <a:defRPr sz="1800" kern="1200">
         <a:solidFill>
           <a:schemeClr val="tx1"/>
@@ -53,7 +53,7 @@
         <a:cs typeface="+mn-cs"/>
       </a:defRPr>
     </a:lvl4pPr>
-    <a:lvl5pPr marL="1828800" algn="l" defTabSz="914400" rtl="0" eaLnBrk="1" latinLnBrk="0" hangingPunct="1">
+    <a:lvl5pPr marL="1828800" algn="l" defTabSz="457200" rtl="0" eaLnBrk="1" latinLnBrk="0" hangingPunct="1">
       <a:defRPr sz="1800" kern="1200">
         <a:solidFill>
           <a:schemeClr val="tx1"/>
@@ -63,7 +63,7 @@
         <a:cs typeface="+mn-cs"/>
       </a:defRPr>
     </a:lvl5pPr>
-    <a:lvl6pPr marL="2286000" algn="l" defTabSz="914400" rtl="0" eaLnBrk="1" latinLnBrk="0" hangingPunct="1">
+    <a:lvl6pPr marL="2286000" algn="l" defTabSz="457200" rtl="0" eaLnBrk="1" latinLnBrk="0" hangingPunct="1">
       <a:defRPr sz="1800" kern="1200">
         <a:solidFill>
           <a:schemeClr val="tx1"/>
@@ -73,7 +73,7 @@
         <a:cs typeface="+mn-cs"/>
       </a:defRPr>
     </a:lvl6pPr>
-    <a:lvl7pPr marL="2743200" algn="l" defTabSz="914400" rtl="0" eaLnBrk="1" latinLnBrk="0" hangingPunct="1">
+    <a:lvl7pPr marL="2743200" algn="l" defTabSz="457200" rtl="0" eaLnBrk="1" latinLnBrk="0" hangingPunct="1">
       <a:defRPr sz="1800" kern="1200">
         <a:solidFill>
           <a:schemeClr val="tx1"/>
@@ -83,7 +83,7 @@
         <a:cs typeface="+mn-cs"/>
       </a:defRPr>
     </a:lvl7pPr>
-    <a:lvl8pPr marL="3200400" algn="l" defTabSz="914400" rtl="0" eaLnBrk="1" latinLnBrk="0" hangingPunct="1">
+    <a:lvl8pPr marL="3200400" algn="l" defTabSz="457200" rtl="0" eaLnBrk="1" latinLnBrk="0" hangingPunct="1">
       <a:defRPr sz="1800" kern="1200">
         <a:solidFill>
           <a:schemeClr val="tx1"/>
@@ -93,7 +93,7 @@
         <a:cs typeface="+mn-cs"/>
       </a:defRPr>
     </a:lvl8pPr>
-    <a:lvl9pPr marL="3657600" algn="l" defTabSz="914400" rtl="0" eaLnBrk="1" latinLnBrk="0" hangingPunct="1">
+    <a:lvl9pPr marL="3657600" algn="l" defTabSz="457200" rtl="0" eaLnBrk="1" latinLnBrk="0" hangingPunct="1">
       <a:defRPr sz="1800" kern="1200">
         <a:solidFill>
           <a:schemeClr val="tx1"/>
@@ -104,6 +104,11 @@
       </a:defRPr>
     </a:lvl9pPr>
   </p:defaultTextStyle>
+  <p:extLst>
+    <p:ext uri="{EFAFB233-063F-42B5-8137-9DF3F51BA10A}">
+      <p15:sldGuideLst xmlns:p15="http://schemas.microsoft.com/office/powerpoint/2012/main"/>
+    </p:ext>
+  </p:extLst>
 </p:presentation>
 </file>
 
@@ -126,13 +131,7 @@
       </p:grpSpPr>
       <p:sp>
         <p:nvSpPr>
-          <p:cNvPr id="2" name="Title 1">
-            <a:extLst>
-              <a:ext uri="{FF2B5EF4-FFF2-40B4-BE49-F238E27FC236}">
-                <a16:creationId xmlns:a16="http://schemas.microsoft.com/office/drawing/2014/main" id="{E9847E7D-9087-D382-5CA0-F57D0AE01D06}"/>
-              </a:ext>
-            </a:extLst>
-          </p:cNvPr>
+          <p:cNvPr id="2" name="Title 1"/>
           <p:cNvSpPr>
             <a:spLocks noGrp="1"/>
           </p:cNvSpPr>
@@ -142,15 +141,15 @@
         </p:nvSpPr>
         <p:spPr>
           <a:xfrm>
-            <a:off x="1524000" y="1122363"/>
-            <a:ext cx="9144000" cy="2387600"/>
+            <a:off x="1524000" y="823066"/>
+            <a:ext cx="9144000" cy="1750907"/>
           </a:xfrm>
         </p:spPr>
         <p:txBody>
           <a:bodyPr anchor="b"/>
           <a:lstStyle>
             <a:lvl1pPr algn="ctr">
-              <a:defRPr sz="6000"/>
+              <a:defRPr sz="4400"/>
             </a:lvl1pPr>
           </a:lstStyle>
           <a:p>
@@ -158,18 +157,13 @@
               <a:rPr lang="en-US"/>
               <a:t>Click to edit Master title style</a:t>
             </a:r>
-          </a:p>
-        </p:txBody>
-      </p:sp>
-      <p:sp>
-        <p:nvSpPr>
-          <p:cNvPr id="3" name="Subtitle 2">
-            <a:extLst>
-              <a:ext uri="{FF2B5EF4-FFF2-40B4-BE49-F238E27FC236}">
-                <a16:creationId xmlns:a16="http://schemas.microsoft.com/office/drawing/2014/main" id="{3A54CE15-3D6E-7375-4AEB-50D6E59CEAA2}"/>
-              </a:ext>
-            </a:extLst>
-          </p:cNvPr>
+            <a:endParaRPr lang="en-US" dirty="0"/>
+          </a:p>
+        </p:txBody>
+      </p:sp>
+      <p:sp>
+        <p:nvSpPr>
+          <p:cNvPr id="3" name="Subtitle 2"/>
           <p:cNvSpPr>
             <a:spLocks noGrp="1"/>
           </p:cNvSpPr>
@@ -179,8 +173,8 @@
         </p:nvSpPr>
         <p:spPr>
           <a:xfrm>
-            <a:off x="1524000" y="3602038"/>
-            <a:ext cx="9144000" cy="1655762"/>
+            <a:off x="1524000" y="2641495"/>
+            <a:ext cx="9144000" cy="1214225"/>
           </a:xfrm>
         </p:spPr>
         <p:txBody>
@@ -188,39 +182,39 @@
           <a:lstStyle>
             <a:lvl1pPr marL="0" indent="0" algn="ctr">
               <a:buNone/>
-              <a:defRPr sz="2400"/>
+              <a:defRPr sz="1760"/>
             </a:lvl1pPr>
-            <a:lvl2pPr marL="457200" indent="0" algn="ctr">
-              <a:buNone/>
-              <a:defRPr sz="2000"/>
+            <a:lvl2pPr marL="335265" indent="0" algn="ctr">
+              <a:buNone/>
+              <a:defRPr sz="1467"/>
             </a:lvl2pPr>
-            <a:lvl3pPr marL="914400" indent="0" algn="ctr">
-              <a:buNone/>
-              <a:defRPr sz="1800"/>
+            <a:lvl3pPr marL="670530" indent="0" algn="ctr">
+              <a:buNone/>
+              <a:defRPr sz="1320"/>
             </a:lvl3pPr>
-            <a:lvl4pPr marL="1371600" indent="0" algn="ctr">
-              <a:buNone/>
-              <a:defRPr sz="1600"/>
+            <a:lvl4pPr marL="1005794" indent="0" algn="ctr">
+              <a:buNone/>
+              <a:defRPr sz="1173"/>
             </a:lvl4pPr>
-            <a:lvl5pPr marL="1828800" indent="0" algn="ctr">
-              <a:buNone/>
-              <a:defRPr sz="1600"/>
+            <a:lvl5pPr marL="1341059" indent="0" algn="ctr">
+              <a:buNone/>
+              <a:defRPr sz="1173"/>
             </a:lvl5pPr>
-            <a:lvl6pPr marL="2286000" indent="0" algn="ctr">
-              <a:buNone/>
-              <a:defRPr sz="1600"/>
+            <a:lvl6pPr marL="1676324" indent="0" algn="ctr">
+              <a:buNone/>
+              <a:defRPr sz="1173"/>
             </a:lvl6pPr>
-            <a:lvl7pPr marL="2743200" indent="0" algn="ctr">
-              <a:buNone/>
-              <a:defRPr sz="1600"/>
+            <a:lvl7pPr marL="2011589" indent="0" algn="ctr">
+              <a:buNone/>
+              <a:defRPr sz="1173"/>
             </a:lvl7pPr>
-            <a:lvl8pPr marL="3200400" indent="0" algn="ctr">
-              <a:buNone/>
-              <a:defRPr sz="1600"/>
+            <a:lvl8pPr marL="2346853" indent="0" algn="ctr">
+              <a:buNone/>
+              <a:defRPr sz="1173"/>
             </a:lvl8pPr>
-            <a:lvl9pPr marL="3657600" indent="0" algn="ctr">
-              <a:buNone/>
-              <a:defRPr sz="1600"/>
+            <a:lvl9pPr marL="2682118" indent="0" algn="ctr">
+              <a:buNone/>
+              <a:defRPr sz="1173"/>
             </a:lvl9pPr>
           </a:lstStyle>
           <a:p>
@@ -228,18 +222,13 @@
               <a:rPr lang="en-US"/>
               <a:t>Click to edit Master subtitle style</a:t>
             </a:r>
-          </a:p>
-        </p:txBody>
-      </p:sp>
-      <p:sp>
-        <p:nvSpPr>
-          <p:cNvPr id="4" name="Date Placeholder 3">
-            <a:extLst>
-              <a:ext uri="{FF2B5EF4-FFF2-40B4-BE49-F238E27FC236}">
-                <a16:creationId xmlns:a16="http://schemas.microsoft.com/office/drawing/2014/main" id="{E0D68AF2-303D-E8F6-5C6A-A323B56C1371}"/>
-              </a:ext>
-            </a:extLst>
-          </p:cNvPr>
+            <a:endParaRPr lang="en-US" dirty="0"/>
+          </a:p>
+        </p:txBody>
+      </p:sp>
+      <p:sp>
+        <p:nvSpPr>
+          <p:cNvPr id="4" name="Date Placeholder 3"/>
           <p:cNvSpPr>
             <a:spLocks noGrp="1"/>
           </p:cNvSpPr>
@@ -254,7 +243,7 @@
           <a:p>
             <a:fld id="{17FCDBB0-6DA1-4273-B163-CEF2F6BB3294}" type="datetimeFigureOut">
               <a:rPr lang="en-US" smtClean="0"/>
-              <a:t>8/15/2023</a:t>
+              <a:t>8/20/2023</a:t>
             </a:fld>
             <a:endParaRPr lang="en-US"/>
           </a:p>
@@ -262,13 +251,7 @@
       </p:sp>
       <p:sp>
         <p:nvSpPr>
-          <p:cNvPr id="5" name="Footer Placeholder 4">
-            <a:extLst>
-              <a:ext uri="{FF2B5EF4-FFF2-40B4-BE49-F238E27FC236}">
-                <a16:creationId xmlns:a16="http://schemas.microsoft.com/office/drawing/2014/main" id="{7139BD42-BD47-D75B-8D0F-1C55AC63D15B}"/>
-              </a:ext>
-            </a:extLst>
-          </p:cNvPr>
+          <p:cNvPr id="5" name="Footer Placeholder 4"/>
           <p:cNvSpPr>
             <a:spLocks noGrp="1"/>
           </p:cNvSpPr>
@@ -287,13 +270,7 @@
       </p:sp>
       <p:sp>
         <p:nvSpPr>
-          <p:cNvPr id="6" name="Slide Number Placeholder 5">
-            <a:extLst>
-              <a:ext uri="{FF2B5EF4-FFF2-40B4-BE49-F238E27FC236}">
-                <a16:creationId xmlns:a16="http://schemas.microsoft.com/office/drawing/2014/main" id="{72A31882-8AA3-2FCD-D471-33819C55EA34}"/>
-              </a:ext>
-            </a:extLst>
-          </p:cNvPr>
+          <p:cNvPr id="6" name="Slide Number Placeholder 5"/>
           <p:cNvSpPr>
             <a:spLocks noGrp="1"/>
           </p:cNvSpPr>
@@ -317,7 +294,7 @@
     </p:spTree>
     <p:extLst>
       <p:ext uri="{BB962C8B-B14F-4D97-AF65-F5344CB8AC3E}">
-        <p14:creationId xmlns:p14="http://schemas.microsoft.com/office/powerpoint/2010/main" val="2918721700"/>
+        <p14:creationId xmlns:p14="http://schemas.microsoft.com/office/powerpoint/2010/main" val="1076335539"/>
       </p:ext>
     </p:extLst>
   </p:cSld>
@@ -346,13 +323,7 @@
       </p:grpSpPr>
       <p:sp>
         <p:nvSpPr>
-          <p:cNvPr id="2" name="Title 1">
-            <a:extLst>
-              <a:ext uri="{FF2B5EF4-FFF2-40B4-BE49-F238E27FC236}">
-                <a16:creationId xmlns:a16="http://schemas.microsoft.com/office/drawing/2014/main" id="{B2C64335-9D0F-0F75-73BB-07E6F5CD125D}"/>
-              </a:ext>
-            </a:extLst>
-          </p:cNvPr>
+          <p:cNvPr id="2" name="Title 1"/>
           <p:cNvSpPr>
             <a:spLocks noGrp="1"/>
           </p:cNvSpPr>
@@ -369,18 +340,13 @@
               <a:rPr lang="en-US"/>
               <a:t>Click to edit Master title style</a:t>
             </a:r>
-          </a:p>
-        </p:txBody>
-      </p:sp>
-      <p:sp>
-        <p:nvSpPr>
-          <p:cNvPr id="3" name="Vertical Text Placeholder 2">
-            <a:extLst>
-              <a:ext uri="{FF2B5EF4-FFF2-40B4-BE49-F238E27FC236}">
-                <a16:creationId xmlns:a16="http://schemas.microsoft.com/office/drawing/2014/main" id="{4E417145-D006-3789-F7E3-3C627E249DA3}"/>
-              </a:ext>
-            </a:extLst>
-          </p:cNvPr>
+            <a:endParaRPr lang="en-US" dirty="0"/>
+          </a:p>
+        </p:txBody>
+      </p:sp>
+      <p:sp>
+        <p:nvSpPr>
+          <p:cNvPr id="3" name="Vertical Text Placeholder 2"/>
           <p:cNvSpPr>
             <a:spLocks noGrp="1"/>
           </p:cNvSpPr>
@@ -426,18 +392,13 @@
               <a:rPr lang="en-US"/>
               <a:t>Fifth level</a:t>
             </a:r>
-          </a:p>
-        </p:txBody>
-      </p:sp>
-      <p:sp>
-        <p:nvSpPr>
-          <p:cNvPr id="4" name="Date Placeholder 3">
-            <a:extLst>
-              <a:ext uri="{FF2B5EF4-FFF2-40B4-BE49-F238E27FC236}">
-                <a16:creationId xmlns:a16="http://schemas.microsoft.com/office/drawing/2014/main" id="{51A99465-1236-8150-AA58-CAF105B6F30E}"/>
-              </a:ext>
-            </a:extLst>
-          </p:cNvPr>
+            <a:endParaRPr lang="en-US" dirty="0"/>
+          </a:p>
+        </p:txBody>
+      </p:sp>
+      <p:sp>
+        <p:nvSpPr>
+          <p:cNvPr id="4" name="Date Placeholder 3"/>
           <p:cNvSpPr>
             <a:spLocks noGrp="1"/>
           </p:cNvSpPr>
@@ -452,7 +413,7 @@
           <a:p>
             <a:fld id="{17FCDBB0-6DA1-4273-B163-CEF2F6BB3294}" type="datetimeFigureOut">
               <a:rPr lang="en-US" smtClean="0"/>
-              <a:t>8/15/2023</a:t>
+              <a:t>8/20/2023</a:t>
             </a:fld>
             <a:endParaRPr lang="en-US"/>
           </a:p>
@@ -460,13 +421,7 @@
       </p:sp>
       <p:sp>
         <p:nvSpPr>
-          <p:cNvPr id="5" name="Footer Placeholder 4">
-            <a:extLst>
-              <a:ext uri="{FF2B5EF4-FFF2-40B4-BE49-F238E27FC236}">
-                <a16:creationId xmlns:a16="http://schemas.microsoft.com/office/drawing/2014/main" id="{A6F30DB3-7E64-F9AB-EBB8-555611A32406}"/>
-              </a:ext>
-            </a:extLst>
-          </p:cNvPr>
+          <p:cNvPr id="5" name="Footer Placeholder 4"/>
           <p:cNvSpPr>
             <a:spLocks noGrp="1"/>
           </p:cNvSpPr>
@@ -485,13 +440,7 @@
       </p:sp>
       <p:sp>
         <p:nvSpPr>
-          <p:cNvPr id="6" name="Slide Number Placeholder 5">
-            <a:extLst>
-              <a:ext uri="{FF2B5EF4-FFF2-40B4-BE49-F238E27FC236}">
-                <a16:creationId xmlns:a16="http://schemas.microsoft.com/office/drawing/2014/main" id="{4BDF3526-551D-D430-94AD-50A55AFF9F4A}"/>
-              </a:ext>
-            </a:extLst>
-          </p:cNvPr>
+          <p:cNvPr id="6" name="Slide Number Placeholder 5"/>
           <p:cNvSpPr>
             <a:spLocks noGrp="1"/>
           </p:cNvSpPr>
@@ -515,7 +464,7 @@
     </p:spTree>
     <p:extLst>
       <p:ext uri="{BB962C8B-B14F-4D97-AF65-F5344CB8AC3E}">
-        <p14:creationId xmlns:p14="http://schemas.microsoft.com/office/powerpoint/2010/main" val="3801453521"/>
+        <p14:creationId xmlns:p14="http://schemas.microsoft.com/office/powerpoint/2010/main" val="938341309"/>
       </p:ext>
     </p:extLst>
   </p:cSld>
@@ -544,13 +493,7 @@
       </p:grpSpPr>
       <p:sp>
         <p:nvSpPr>
-          <p:cNvPr id="2" name="Vertical Title 1">
-            <a:extLst>
-              <a:ext uri="{FF2B5EF4-FFF2-40B4-BE49-F238E27FC236}">
-                <a16:creationId xmlns:a16="http://schemas.microsoft.com/office/drawing/2014/main" id="{3DD2C796-A266-FBB9-4D70-FD81BA00103E}"/>
-              </a:ext>
-            </a:extLst>
-          </p:cNvPr>
+          <p:cNvPr id="2" name="Vertical Title 1"/>
           <p:cNvSpPr>
             <a:spLocks noGrp="1"/>
           </p:cNvSpPr>
@@ -560,8 +503,8 @@
         </p:nvSpPr>
         <p:spPr>
           <a:xfrm>
-            <a:off x="8724900" y="365125"/>
-            <a:ext cx="2628900" cy="5811838"/>
+            <a:off x="8724900" y="267758"/>
+            <a:ext cx="2628900" cy="4262015"/>
           </a:xfrm>
         </p:spPr>
         <p:txBody>
@@ -572,18 +515,13 @@
               <a:rPr lang="en-US"/>
               <a:t>Click to edit Master title style</a:t>
             </a:r>
-          </a:p>
-        </p:txBody>
-      </p:sp>
-      <p:sp>
-        <p:nvSpPr>
-          <p:cNvPr id="3" name="Vertical Text Placeholder 2">
-            <a:extLst>
-              <a:ext uri="{FF2B5EF4-FFF2-40B4-BE49-F238E27FC236}">
-                <a16:creationId xmlns:a16="http://schemas.microsoft.com/office/drawing/2014/main" id="{99B0BC6C-FB8F-2F5C-399D-7712B0A14D29}"/>
-              </a:ext>
-            </a:extLst>
-          </p:cNvPr>
+            <a:endParaRPr lang="en-US" dirty="0"/>
+          </a:p>
+        </p:txBody>
+      </p:sp>
+      <p:sp>
+        <p:nvSpPr>
+          <p:cNvPr id="3" name="Vertical Text Placeholder 2"/>
           <p:cNvSpPr>
             <a:spLocks noGrp="1"/>
           </p:cNvSpPr>
@@ -593,8 +531,8 @@
         </p:nvSpPr>
         <p:spPr>
           <a:xfrm>
-            <a:off x="838200" y="365125"/>
-            <a:ext cx="7734300" cy="5811838"/>
+            <a:off x="838200" y="267758"/>
+            <a:ext cx="7734300" cy="4262015"/>
           </a:xfrm>
         </p:spPr>
         <p:txBody>
@@ -634,18 +572,13 @@
               <a:rPr lang="en-US"/>
               <a:t>Fifth level</a:t>
             </a:r>
-          </a:p>
-        </p:txBody>
-      </p:sp>
-      <p:sp>
-        <p:nvSpPr>
-          <p:cNvPr id="4" name="Date Placeholder 3">
-            <a:extLst>
-              <a:ext uri="{FF2B5EF4-FFF2-40B4-BE49-F238E27FC236}">
-                <a16:creationId xmlns:a16="http://schemas.microsoft.com/office/drawing/2014/main" id="{A287BE6B-B5F7-C559-EE15-1325F7F18062}"/>
-              </a:ext>
-            </a:extLst>
-          </p:cNvPr>
+            <a:endParaRPr lang="en-US" dirty="0"/>
+          </a:p>
+        </p:txBody>
+      </p:sp>
+      <p:sp>
+        <p:nvSpPr>
+          <p:cNvPr id="4" name="Date Placeholder 3"/>
           <p:cNvSpPr>
             <a:spLocks noGrp="1"/>
           </p:cNvSpPr>
@@ -660,7 +593,7 @@
           <a:p>
             <a:fld id="{17FCDBB0-6DA1-4273-B163-CEF2F6BB3294}" type="datetimeFigureOut">
               <a:rPr lang="en-US" smtClean="0"/>
-              <a:t>8/15/2023</a:t>
+              <a:t>8/20/2023</a:t>
             </a:fld>
             <a:endParaRPr lang="en-US"/>
           </a:p>
@@ -668,13 +601,7 @@
       </p:sp>
       <p:sp>
         <p:nvSpPr>
-          <p:cNvPr id="5" name="Footer Placeholder 4">
-            <a:extLst>
-              <a:ext uri="{FF2B5EF4-FFF2-40B4-BE49-F238E27FC236}">
-                <a16:creationId xmlns:a16="http://schemas.microsoft.com/office/drawing/2014/main" id="{A11AABA9-482D-76F6-2FB4-D466A5FD3387}"/>
-              </a:ext>
-            </a:extLst>
-          </p:cNvPr>
+          <p:cNvPr id="5" name="Footer Placeholder 4"/>
           <p:cNvSpPr>
             <a:spLocks noGrp="1"/>
           </p:cNvSpPr>
@@ -693,13 +620,7 @@
       </p:sp>
       <p:sp>
         <p:nvSpPr>
-          <p:cNvPr id="6" name="Slide Number Placeholder 5">
-            <a:extLst>
-              <a:ext uri="{FF2B5EF4-FFF2-40B4-BE49-F238E27FC236}">
-                <a16:creationId xmlns:a16="http://schemas.microsoft.com/office/drawing/2014/main" id="{DF46A466-5340-54A0-CDEC-38B0314C734B}"/>
-              </a:ext>
-            </a:extLst>
-          </p:cNvPr>
+          <p:cNvPr id="6" name="Slide Number Placeholder 5"/>
           <p:cNvSpPr>
             <a:spLocks noGrp="1"/>
           </p:cNvSpPr>
@@ -723,7 +644,7 @@
     </p:spTree>
     <p:extLst>
       <p:ext uri="{BB962C8B-B14F-4D97-AF65-F5344CB8AC3E}">
-        <p14:creationId xmlns:p14="http://schemas.microsoft.com/office/powerpoint/2010/main" val="3902401040"/>
+        <p14:creationId xmlns:p14="http://schemas.microsoft.com/office/powerpoint/2010/main" val="1087331431"/>
       </p:ext>
     </p:extLst>
   </p:cSld>
@@ -752,13 +673,7 @@
       </p:grpSpPr>
       <p:sp>
         <p:nvSpPr>
-          <p:cNvPr id="2" name="Title 1">
-            <a:extLst>
-              <a:ext uri="{FF2B5EF4-FFF2-40B4-BE49-F238E27FC236}">
-                <a16:creationId xmlns:a16="http://schemas.microsoft.com/office/drawing/2014/main" id="{704E2CA8-1360-8A9A-6B84-9D6D323925D8}"/>
-              </a:ext>
-            </a:extLst>
-          </p:cNvPr>
+          <p:cNvPr id="2" name="Title 1"/>
           <p:cNvSpPr>
             <a:spLocks noGrp="1"/>
           </p:cNvSpPr>
@@ -775,18 +690,13 @@
               <a:rPr lang="en-US"/>
               <a:t>Click to edit Master title style</a:t>
             </a:r>
-          </a:p>
-        </p:txBody>
-      </p:sp>
-      <p:sp>
-        <p:nvSpPr>
-          <p:cNvPr id="3" name="Content Placeholder 2">
-            <a:extLst>
-              <a:ext uri="{FF2B5EF4-FFF2-40B4-BE49-F238E27FC236}">
-                <a16:creationId xmlns:a16="http://schemas.microsoft.com/office/drawing/2014/main" id="{C3F2D2E6-1C9B-F5E8-D7DE-4225BB98233E}"/>
-              </a:ext>
-            </a:extLst>
-          </p:cNvPr>
+            <a:endParaRPr lang="en-US" dirty="0"/>
+          </a:p>
+        </p:txBody>
+      </p:sp>
+      <p:sp>
+        <p:nvSpPr>
+          <p:cNvPr id="3" name="Content Placeholder 2"/>
           <p:cNvSpPr>
             <a:spLocks noGrp="1"/>
           </p:cNvSpPr>
@@ -832,18 +742,13 @@
               <a:rPr lang="en-US"/>
               <a:t>Fifth level</a:t>
             </a:r>
-          </a:p>
-        </p:txBody>
-      </p:sp>
-      <p:sp>
-        <p:nvSpPr>
-          <p:cNvPr id="4" name="Date Placeholder 3">
-            <a:extLst>
-              <a:ext uri="{FF2B5EF4-FFF2-40B4-BE49-F238E27FC236}">
-                <a16:creationId xmlns:a16="http://schemas.microsoft.com/office/drawing/2014/main" id="{5E0AF10F-0831-5F9C-C958-48D6BF58384E}"/>
-              </a:ext>
-            </a:extLst>
-          </p:cNvPr>
+            <a:endParaRPr lang="en-US" dirty="0"/>
+          </a:p>
+        </p:txBody>
+      </p:sp>
+      <p:sp>
+        <p:nvSpPr>
+          <p:cNvPr id="4" name="Date Placeholder 3"/>
           <p:cNvSpPr>
             <a:spLocks noGrp="1"/>
           </p:cNvSpPr>
@@ -858,7 +763,7 @@
           <a:p>
             <a:fld id="{17FCDBB0-6DA1-4273-B163-CEF2F6BB3294}" type="datetimeFigureOut">
               <a:rPr lang="en-US" smtClean="0"/>
-              <a:t>8/15/2023</a:t>
+              <a:t>8/20/2023</a:t>
             </a:fld>
             <a:endParaRPr lang="en-US"/>
           </a:p>
@@ -866,13 +771,7 @@
       </p:sp>
       <p:sp>
         <p:nvSpPr>
-          <p:cNvPr id="5" name="Footer Placeholder 4">
-            <a:extLst>
-              <a:ext uri="{FF2B5EF4-FFF2-40B4-BE49-F238E27FC236}">
-                <a16:creationId xmlns:a16="http://schemas.microsoft.com/office/drawing/2014/main" id="{504AFCED-9423-DC97-89F3-5A35F84AAA89}"/>
-              </a:ext>
-            </a:extLst>
-          </p:cNvPr>
+          <p:cNvPr id="5" name="Footer Placeholder 4"/>
           <p:cNvSpPr>
             <a:spLocks noGrp="1"/>
           </p:cNvSpPr>
@@ -891,13 +790,7 @@
       </p:sp>
       <p:sp>
         <p:nvSpPr>
-          <p:cNvPr id="6" name="Slide Number Placeholder 5">
-            <a:extLst>
-              <a:ext uri="{FF2B5EF4-FFF2-40B4-BE49-F238E27FC236}">
-                <a16:creationId xmlns:a16="http://schemas.microsoft.com/office/drawing/2014/main" id="{CD43552F-5FB6-19AD-5E71-43E546FDAAA3}"/>
-              </a:ext>
-            </a:extLst>
-          </p:cNvPr>
+          <p:cNvPr id="6" name="Slide Number Placeholder 5"/>
           <p:cNvSpPr>
             <a:spLocks noGrp="1"/>
           </p:cNvSpPr>
@@ -921,7 +814,7 @@
     </p:spTree>
     <p:extLst>
       <p:ext uri="{BB962C8B-B14F-4D97-AF65-F5344CB8AC3E}">
-        <p14:creationId xmlns:p14="http://schemas.microsoft.com/office/powerpoint/2010/main" val="792084389"/>
+        <p14:creationId xmlns:p14="http://schemas.microsoft.com/office/powerpoint/2010/main" val="443541810"/>
       </p:ext>
     </p:extLst>
   </p:cSld>
@@ -950,13 +843,7 @@
       </p:grpSpPr>
       <p:sp>
         <p:nvSpPr>
-          <p:cNvPr id="2" name="Title 1">
-            <a:extLst>
-              <a:ext uri="{FF2B5EF4-FFF2-40B4-BE49-F238E27FC236}">
-                <a16:creationId xmlns:a16="http://schemas.microsoft.com/office/drawing/2014/main" id="{9ABC9C60-08D7-5BC9-FCCC-1F56B523261F}"/>
-              </a:ext>
-            </a:extLst>
-          </p:cNvPr>
+          <p:cNvPr id="2" name="Title 1"/>
           <p:cNvSpPr>
             <a:spLocks noGrp="1"/>
           </p:cNvSpPr>
@@ -966,15 +853,15 @@
         </p:nvSpPr>
         <p:spPr>
           <a:xfrm>
-            <a:off x="831850" y="1709738"/>
-            <a:ext cx="10515600" cy="2852737"/>
+            <a:off x="831850" y="1253808"/>
+            <a:ext cx="10515600" cy="2092007"/>
           </a:xfrm>
         </p:spPr>
         <p:txBody>
           <a:bodyPr anchor="b"/>
           <a:lstStyle>
             <a:lvl1pPr>
-              <a:defRPr sz="6000"/>
+              <a:defRPr sz="4400"/>
             </a:lvl1pPr>
           </a:lstStyle>
           <a:p>
@@ -982,18 +869,13 @@
               <a:rPr lang="en-US"/>
               <a:t>Click to edit Master title style</a:t>
             </a:r>
-          </a:p>
-        </p:txBody>
-      </p:sp>
-      <p:sp>
-        <p:nvSpPr>
-          <p:cNvPr id="3" name="Text Placeholder 2">
-            <a:extLst>
-              <a:ext uri="{FF2B5EF4-FFF2-40B4-BE49-F238E27FC236}">
-                <a16:creationId xmlns:a16="http://schemas.microsoft.com/office/drawing/2014/main" id="{73F28568-7B1C-89A7-CAC4-46D58883654E}"/>
-              </a:ext>
-            </a:extLst>
-          </p:cNvPr>
+            <a:endParaRPr lang="en-US" dirty="0"/>
+          </a:p>
+        </p:txBody>
+      </p:sp>
+      <p:sp>
+        <p:nvSpPr>
+          <p:cNvPr id="3" name="Text Placeholder 2"/>
           <p:cNvSpPr>
             <a:spLocks noGrp="1"/>
           </p:cNvSpPr>
@@ -1003,8 +885,8 @@
         </p:nvSpPr>
         <p:spPr>
           <a:xfrm>
-            <a:off x="831850" y="4589463"/>
-            <a:ext cx="10515600" cy="1500187"/>
+            <a:off x="831850" y="3365607"/>
+            <a:ext cx="10515600" cy="1100137"/>
           </a:xfrm>
         </p:spPr>
         <p:txBody>
@@ -1012,7 +894,7 @@
           <a:lstStyle>
             <a:lvl1pPr marL="0" indent="0">
               <a:buNone/>
-              <a:defRPr sz="2400">
+              <a:defRPr sz="1760">
                 <a:solidFill>
                   <a:schemeClr val="tx1">
                     <a:tint val="75000"/>
@@ -1020,9 +902,9 @@
                 </a:solidFill>
               </a:defRPr>
             </a:lvl1pPr>
-            <a:lvl2pPr marL="457200" indent="0">
-              <a:buNone/>
-              <a:defRPr sz="2000">
+            <a:lvl2pPr marL="335265" indent="0">
+              <a:buNone/>
+              <a:defRPr sz="1467">
                 <a:solidFill>
                   <a:schemeClr val="tx1">
                     <a:tint val="75000"/>
@@ -1030,9 +912,9 @@
                 </a:solidFill>
               </a:defRPr>
             </a:lvl2pPr>
-            <a:lvl3pPr marL="914400" indent="0">
-              <a:buNone/>
-              <a:defRPr sz="1800">
+            <a:lvl3pPr marL="670530" indent="0">
+              <a:buNone/>
+              <a:defRPr sz="1320">
                 <a:solidFill>
                   <a:schemeClr val="tx1">
                     <a:tint val="75000"/>
@@ -1040,9 +922,9 @@
                 </a:solidFill>
               </a:defRPr>
             </a:lvl3pPr>
-            <a:lvl4pPr marL="1371600" indent="0">
-              <a:buNone/>
-              <a:defRPr sz="1600">
+            <a:lvl4pPr marL="1005794" indent="0">
+              <a:buNone/>
+              <a:defRPr sz="1173">
                 <a:solidFill>
                   <a:schemeClr val="tx1">
                     <a:tint val="75000"/>
@@ -1050,9 +932,9 @@
                 </a:solidFill>
               </a:defRPr>
             </a:lvl4pPr>
-            <a:lvl5pPr marL="1828800" indent="0">
-              <a:buNone/>
-              <a:defRPr sz="1600">
+            <a:lvl5pPr marL="1341059" indent="0">
+              <a:buNone/>
+              <a:defRPr sz="1173">
                 <a:solidFill>
                   <a:schemeClr val="tx1">
                     <a:tint val="75000"/>
@@ -1060,9 +942,9 @@
                 </a:solidFill>
               </a:defRPr>
             </a:lvl5pPr>
-            <a:lvl6pPr marL="2286000" indent="0">
-              <a:buNone/>
-              <a:defRPr sz="1600">
+            <a:lvl6pPr marL="1676324" indent="0">
+              <a:buNone/>
+              <a:defRPr sz="1173">
                 <a:solidFill>
                   <a:schemeClr val="tx1">
                     <a:tint val="75000"/>
@@ -1070,9 +952,9 @@
                 </a:solidFill>
               </a:defRPr>
             </a:lvl6pPr>
-            <a:lvl7pPr marL="2743200" indent="0">
-              <a:buNone/>
-              <a:defRPr sz="1600">
+            <a:lvl7pPr marL="2011589" indent="0">
+              <a:buNone/>
+              <a:defRPr sz="1173">
                 <a:solidFill>
                   <a:schemeClr val="tx1">
                     <a:tint val="75000"/>
@@ -1080,9 +962,9 @@
                 </a:solidFill>
               </a:defRPr>
             </a:lvl7pPr>
-            <a:lvl8pPr marL="3200400" indent="0">
-              <a:buNone/>
-              <a:defRPr sz="1600">
+            <a:lvl8pPr marL="2346853" indent="0">
+              <a:buNone/>
+              <a:defRPr sz="1173">
                 <a:solidFill>
                   <a:schemeClr val="tx1">
                     <a:tint val="75000"/>
@@ -1090,9 +972,9 @@
                 </a:solidFill>
               </a:defRPr>
             </a:lvl8pPr>
-            <a:lvl9pPr marL="3657600" indent="0">
-              <a:buNone/>
-              <a:defRPr sz="1600">
+            <a:lvl9pPr marL="2682118" indent="0">
+              <a:buNone/>
+              <a:defRPr sz="1173">
                 <a:solidFill>
                   <a:schemeClr val="tx1">
                     <a:tint val="75000"/>
@@ -1112,13 +994,7 @@
       </p:sp>
       <p:sp>
         <p:nvSpPr>
-          <p:cNvPr id="4" name="Date Placeholder 3">
-            <a:extLst>
-              <a:ext uri="{FF2B5EF4-FFF2-40B4-BE49-F238E27FC236}">
-                <a16:creationId xmlns:a16="http://schemas.microsoft.com/office/drawing/2014/main" id="{59F7C345-7726-5494-1315-3346501D382E}"/>
-              </a:ext>
-            </a:extLst>
-          </p:cNvPr>
+          <p:cNvPr id="4" name="Date Placeholder 3"/>
           <p:cNvSpPr>
             <a:spLocks noGrp="1"/>
           </p:cNvSpPr>
@@ -1133,7 +1009,7 @@
           <a:p>
             <a:fld id="{17FCDBB0-6DA1-4273-B163-CEF2F6BB3294}" type="datetimeFigureOut">
               <a:rPr lang="en-US" smtClean="0"/>
-              <a:t>8/15/2023</a:t>
+              <a:t>8/20/2023</a:t>
             </a:fld>
             <a:endParaRPr lang="en-US"/>
           </a:p>
@@ -1141,13 +1017,7 @@
       </p:sp>
       <p:sp>
         <p:nvSpPr>
-          <p:cNvPr id="5" name="Footer Placeholder 4">
-            <a:extLst>
-              <a:ext uri="{FF2B5EF4-FFF2-40B4-BE49-F238E27FC236}">
-                <a16:creationId xmlns:a16="http://schemas.microsoft.com/office/drawing/2014/main" id="{7E965EAE-37D3-8BA8-51C4-3C4B4ABFE32E}"/>
-              </a:ext>
-            </a:extLst>
-          </p:cNvPr>
+          <p:cNvPr id="5" name="Footer Placeholder 4"/>
           <p:cNvSpPr>
             <a:spLocks noGrp="1"/>
           </p:cNvSpPr>
@@ -1166,13 +1036,7 @@
       </p:sp>
       <p:sp>
         <p:nvSpPr>
-          <p:cNvPr id="6" name="Slide Number Placeholder 5">
-            <a:extLst>
-              <a:ext uri="{FF2B5EF4-FFF2-40B4-BE49-F238E27FC236}">
-                <a16:creationId xmlns:a16="http://schemas.microsoft.com/office/drawing/2014/main" id="{C4001046-C993-FEDD-FC9E-D97F74A62C7E}"/>
-              </a:ext>
-            </a:extLst>
-          </p:cNvPr>
+          <p:cNvPr id="6" name="Slide Number Placeholder 5"/>
           <p:cNvSpPr>
             <a:spLocks noGrp="1"/>
           </p:cNvSpPr>
@@ -1196,7 +1060,7 @@
     </p:spTree>
     <p:extLst>
       <p:ext uri="{BB962C8B-B14F-4D97-AF65-F5344CB8AC3E}">
-        <p14:creationId xmlns:p14="http://schemas.microsoft.com/office/powerpoint/2010/main" val="1150988322"/>
+        <p14:creationId xmlns:p14="http://schemas.microsoft.com/office/powerpoint/2010/main" val="2160493768"/>
       </p:ext>
     </p:extLst>
   </p:cSld>
@@ -1225,13 +1089,7 @@
       </p:grpSpPr>
       <p:sp>
         <p:nvSpPr>
-          <p:cNvPr id="2" name="Title 1">
-            <a:extLst>
-              <a:ext uri="{FF2B5EF4-FFF2-40B4-BE49-F238E27FC236}">
-                <a16:creationId xmlns:a16="http://schemas.microsoft.com/office/drawing/2014/main" id="{A091B5FD-FC5F-78EF-4332-BB7FE587F84F}"/>
-              </a:ext>
-            </a:extLst>
-          </p:cNvPr>
+          <p:cNvPr id="2" name="Title 1"/>
           <p:cNvSpPr>
             <a:spLocks noGrp="1"/>
           </p:cNvSpPr>
@@ -1248,18 +1106,13 @@
               <a:rPr lang="en-US"/>
               <a:t>Click to edit Master title style</a:t>
             </a:r>
-          </a:p>
-        </p:txBody>
-      </p:sp>
-      <p:sp>
-        <p:nvSpPr>
-          <p:cNvPr id="3" name="Content Placeholder 2">
-            <a:extLst>
-              <a:ext uri="{FF2B5EF4-FFF2-40B4-BE49-F238E27FC236}">
-                <a16:creationId xmlns:a16="http://schemas.microsoft.com/office/drawing/2014/main" id="{0C227515-CE5C-02AF-4B26-34E983AF76CA}"/>
-              </a:ext>
-            </a:extLst>
-          </p:cNvPr>
+            <a:endParaRPr lang="en-US" dirty="0"/>
+          </a:p>
+        </p:txBody>
+      </p:sp>
+      <p:sp>
+        <p:nvSpPr>
+          <p:cNvPr id="3" name="Content Placeholder 2"/>
           <p:cNvSpPr>
             <a:spLocks noGrp="1"/>
           </p:cNvSpPr>
@@ -1269,8 +1122,8 @@
         </p:nvSpPr>
         <p:spPr>
           <a:xfrm>
-            <a:off x="838200" y="1825625"/>
-            <a:ext cx="5181600" cy="4351338"/>
+            <a:off x="838200" y="1338792"/>
+            <a:ext cx="5181600" cy="3190981"/>
           </a:xfrm>
         </p:spPr>
         <p:txBody>
@@ -1310,18 +1163,13 @@
               <a:rPr lang="en-US"/>
               <a:t>Fifth level</a:t>
             </a:r>
-          </a:p>
-        </p:txBody>
-      </p:sp>
-      <p:sp>
-        <p:nvSpPr>
-          <p:cNvPr id="4" name="Content Placeholder 3">
-            <a:extLst>
-              <a:ext uri="{FF2B5EF4-FFF2-40B4-BE49-F238E27FC236}">
-                <a16:creationId xmlns:a16="http://schemas.microsoft.com/office/drawing/2014/main" id="{6609B55E-5204-FA8F-4AEF-DDC1C2DCCD90}"/>
-              </a:ext>
-            </a:extLst>
-          </p:cNvPr>
+            <a:endParaRPr lang="en-US" dirty="0"/>
+          </a:p>
+        </p:txBody>
+      </p:sp>
+      <p:sp>
+        <p:nvSpPr>
+          <p:cNvPr id="4" name="Content Placeholder 3"/>
           <p:cNvSpPr>
             <a:spLocks noGrp="1"/>
           </p:cNvSpPr>
@@ -1331,8 +1179,8 @@
         </p:nvSpPr>
         <p:spPr>
           <a:xfrm>
-            <a:off x="6172200" y="1825625"/>
-            <a:ext cx="5181600" cy="4351338"/>
+            <a:off x="6172200" y="1338792"/>
+            <a:ext cx="5181600" cy="3190981"/>
           </a:xfrm>
         </p:spPr>
         <p:txBody>
@@ -1372,18 +1220,13 @@
               <a:rPr lang="en-US"/>
               <a:t>Fifth level</a:t>
             </a:r>
-          </a:p>
-        </p:txBody>
-      </p:sp>
-      <p:sp>
-        <p:nvSpPr>
-          <p:cNvPr id="5" name="Date Placeholder 4">
-            <a:extLst>
-              <a:ext uri="{FF2B5EF4-FFF2-40B4-BE49-F238E27FC236}">
-                <a16:creationId xmlns:a16="http://schemas.microsoft.com/office/drawing/2014/main" id="{A8EC45C0-3CD8-4E2A-CEDD-A0F874DB75AD}"/>
-              </a:ext>
-            </a:extLst>
-          </p:cNvPr>
+            <a:endParaRPr lang="en-US" dirty="0"/>
+          </a:p>
+        </p:txBody>
+      </p:sp>
+      <p:sp>
+        <p:nvSpPr>
+          <p:cNvPr id="5" name="Date Placeholder 4"/>
           <p:cNvSpPr>
             <a:spLocks noGrp="1"/>
           </p:cNvSpPr>
@@ -1398,7 +1241,7 @@
           <a:p>
             <a:fld id="{17FCDBB0-6DA1-4273-B163-CEF2F6BB3294}" type="datetimeFigureOut">
               <a:rPr lang="en-US" smtClean="0"/>
-              <a:t>8/15/2023</a:t>
+              <a:t>8/20/2023</a:t>
             </a:fld>
             <a:endParaRPr lang="en-US"/>
           </a:p>
@@ -1406,13 +1249,7 @@
       </p:sp>
       <p:sp>
         <p:nvSpPr>
-          <p:cNvPr id="6" name="Footer Placeholder 5">
-            <a:extLst>
-              <a:ext uri="{FF2B5EF4-FFF2-40B4-BE49-F238E27FC236}">
-                <a16:creationId xmlns:a16="http://schemas.microsoft.com/office/drawing/2014/main" id="{62AA2123-BC1C-894B-DF8A-F6C4E0CA9847}"/>
-              </a:ext>
-            </a:extLst>
-          </p:cNvPr>
+          <p:cNvPr id="6" name="Footer Placeholder 5"/>
           <p:cNvSpPr>
             <a:spLocks noGrp="1"/>
           </p:cNvSpPr>
@@ -1431,13 +1268,7 @@
       </p:sp>
       <p:sp>
         <p:nvSpPr>
-          <p:cNvPr id="7" name="Slide Number Placeholder 6">
-            <a:extLst>
-              <a:ext uri="{FF2B5EF4-FFF2-40B4-BE49-F238E27FC236}">
-                <a16:creationId xmlns:a16="http://schemas.microsoft.com/office/drawing/2014/main" id="{E79BF317-2EE2-6A51-72DC-F2B84A52F957}"/>
-              </a:ext>
-            </a:extLst>
-          </p:cNvPr>
+          <p:cNvPr id="7" name="Slide Number Placeholder 6"/>
           <p:cNvSpPr>
             <a:spLocks noGrp="1"/>
           </p:cNvSpPr>
@@ -1461,7 +1292,7 @@
     </p:spTree>
     <p:extLst>
       <p:ext uri="{BB962C8B-B14F-4D97-AF65-F5344CB8AC3E}">
-        <p14:creationId xmlns:p14="http://schemas.microsoft.com/office/powerpoint/2010/main" val="3967695386"/>
+        <p14:creationId xmlns:p14="http://schemas.microsoft.com/office/powerpoint/2010/main" val="3736455247"/>
       </p:ext>
     </p:extLst>
   </p:cSld>
@@ -1490,13 +1321,7 @@
       </p:grpSpPr>
       <p:sp>
         <p:nvSpPr>
-          <p:cNvPr id="2" name="Title 1">
-            <a:extLst>
-              <a:ext uri="{FF2B5EF4-FFF2-40B4-BE49-F238E27FC236}">
-                <a16:creationId xmlns:a16="http://schemas.microsoft.com/office/drawing/2014/main" id="{8637731A-FBE3-458B-A25D-FB427208F9BF}"/>
-              </a:ext>
-            </a:extLst>
-          </p:cNvPr>
+          <p:cNvPr id="2" name="Title 1"/>
           <p:cNvSpPr>
             <a:spLocks noGrp="1"/>
           </p:cNvSpPr>
@@ -1506,8 +1331,8 @@
         </p:nvSpPr>
         <p:spPr>
           <a:xfrm>
-            <a:off x="839788" y="365125"/>
-            <a:ext cx="10515600" cy="1325563"/>
+            <a:off x="839788" y="267758"/>
+            <a:ext cx="10515600" cy="972080"/>
           </a:xfrm>
         </p:spPr>
         <p:txBody>
@@ -1518,18 +1343,13 @@
               <a:rPr lang="en-US"/>
               <a:t>Click to edit Master title style</a:t>
             </a:r>
-          </a:p>
-        </p:txBody>
-      </p:sp>
-      <p:sp>
-        <p:nvSpPr>
-          <p:cNvPr id="3" name="Text Placeholder 2">
-            <a:extLst>
-              <a:ext uri="{FF2B5EF4-FFF2-40B4-BE49-F238E27FC236}">
-                <a16:creationId xmlns:a16="http://schemas.microsoft.com/office/drawing/2014/main" id="{D502B4C0-8418-1878-4C96-C22668AA09A4}"/>
-              </a:ext>
-            </a:extLst>
-          </p:cNvPr>
+            <a:endParaRPr lang="en-US" dirty="0"/>
+          </a:p>
+        </p:txBody>
+      </p:sp>
+      <p:sp>
+        <p:nvSpPr>
+          <p:cNvPr id="3" name="Text Placeholder 2"/>
           <p:cNvSpPr>
             <a:spLocks noGrp="1"/>
           </p:cNvSpPr>
@@ -1539,8 +1359,8 @@
         </p:nvSpPr>
         <p:spPr>
           <a:xfrm>
-            <a:off x="839788" y="1681163"/>
-            <a:ext cx="5157787" cy="823912"/>
+            <a:off x="839789" y="1232853"/>
+            <a:ext cx="5157787" cy="604202"/>
           </a:xfrm>
         </p:spPr>
         <p:txBody>
@@ -1548,39 +1368,39 @@
           <a:lstStyle>
             <a:lvl1pPr marL="0" indent="0">
               <a:buNone/>
-              <a:defRPr sz="2400" b="1"/>
+              <a:defRPr sz="1760" b="1"/>
             </a:lvl1pPr>
-            <a:lvl2pPr marL="457200" indent="0">
-              <a:buNone/>
-              <a:defRPr sz="2000" b="1"/>
+            <a:lvl2pPr marL="335265" indent="0">
+              <a:buNone/>
+              <a:defRPr sz="1467" b="1"/>
             </a:lvl2pPr>
-            <a:lvl3pPr marL="914400" indent="0">
-              <a:buNone/>
-              <a:defRPr sz="1800" b="1"/>
+            <a:lvl3pPr marL="670530" indent="0">
+              <a:buNone/>
+              <a:defRPr sz="1320" b="1"/>
             </a:lvl3pPr>
-            <a:lvl4pPr marL="1371600" indent="0">
-              <a:buNone/>
-              <a:defRPr sz="1600" b="1"/>
+            <a:lvl4pPr marL="1005794" indent="0">
+              <a:buNone/>
+              <a:defRPr sz="1173" b="1"/>
             </a:lvl4pPr>
-            <a:lvl5pPr marL="1828800" indent="0">
-              <a:buNone/>
-              <a:defRPr sz="1600" b="1"/>
+            <a:lvl5pPr marL="1341059" indent="0">
+              <a:buNone/>
+              <a:defRPr sz="1173" b="1"/>
             </a:lvl5pPr>
-            <a:lvl6pPr marL="2286000" indent="0">
-              <a:buNone/>
-              <a:defRPr sz="1600" b="1"/>
+            <a:lvl6pPr marL="1676324" indent="0">
+              <a:buNone/>
+              <a:defRPr sz="1173" b="1"/>
             </a:lvl6pPr>
-            <a:lvl7pPr marL="2743200" indent="0">
-              <a:buNone/>
-              <a:defRPr sz="1600" b="1"/>
+            <a:lvl7pPr marL="2011589" indent="0">
+              <a:buNone/>
+              <a:defRPr sz="1173" b="1"/>
             </a:lvl7pPr>
-            <a:lvl8pPr marL="3200400" indent="0">
-              <a:buNone/>
-              <a:defRPr sz="1600" b="1"/>
+            <a:lvl8pPr marL="2346853" indent="0">
+              <a:buNone/>
+              <a:defRPr sz="1173" b="1"/>
             </a:lvl8pPr>
-            <a:lvl9pPr marL="3657600" indent="0">
-              <a:buNone/>
-              <a:defRPr sz="1600" b="1"/>
+            <a:lvl9pPr marL="2682118" indent="0">
+              <a:buNone/>
+              <a:defRPr sz="1173" b="1"/>
             </a:lvl9pPr>
           </a:lstStyle>
           <a:p>
@@ -1594,13 +1414,7 @@
       </p:sp>
       <p:sp>
         <p:nvSpPr>
-          <p:cNvPr id="4" name="Content Placeholder 3">
-            <a:extLst>
-              <a:ext uri="{FF2B5EF4-FFF2-40B4-BE49-F238E27FC236}">
-                <a16:creationId xmlns:a16="http://schemas.microsoft.com/office/drawing/2014/main" id="{17E8DF12-3D64-E91A-F060-E3DBFEF7D572}"/>
-              </a:ext>
-            </a:extLst>
-          </p:cNvPr>
+          <p:cNvPr id="4" name="Content Placeholder 3"/>
           <p:cNvSpPr>
             <a:spLocks noGrp="1"/>
           </p:cNvSpPr>
@@ -1610,8 +1424,8 @@
         </p:nvSpPr>
         <p:spPr>
           <a:xfrm>
-            <a:off x="839788" y="2505075"/>
-            <a:ext cx="5157787" cy="3684588"/>
+            <a:off x="839789" y="1837055"/>
+            <a:ext cx="5157787" cy="2702031"/>
           </a:xfrm>
         </p:spPr>
         <p:txBody>
@@ -1651,18 +1465,13 @@
               <a:rPr lang="en-US"/>
               <a:t>Fifth level</a:t>
             </a:r>
-          </a:p>
-        </p:txBody>
-      </p:sp>
-      <p:sp>
-        <p:nvSpPr>
-          <p:cNvPr id="5" name="Text Placeholder 4">
-            <a:extLst>
-              <a:ext uri="{FF2B5EF4-FFF2-40B4-BE49-F238E27FC236}">
-                <a16:creationId xmlns:a16="http://schemas.microsoft.com/office/drawing/2014/main" id="{5BBEBE23-29FD-A8D9-A887-7567F77EB335}"/>
-              </a:ext>
-            </a:extLst>
-          </p:cNvPr>
+            <a:endParaRPr lang="en-US" dirty="0"/>
+          </a:p>
+        </p:txBody>
+      </p:sp>
+      <p:sp>
+        <p:nvSpPr>
+          <p:cNvPr id="5" name="Text Placeholder 4"/>
           <p:cNvSpPr>
             <a:spLocks noGrp="1"/>
           </p:cNvSpPr>
@@ -1672,8 +1481,8 @@
         </p:nvSpPr>
         <p:spPr>
           <a:xfrm>
-            <a:off x="6172200" y="1681163"/>
-            <a:ext cx="5183188" cy="823912"/>
+            <a:off x="6172200" y="1232853"/>
+            <a:ext cx="5183188" cy="604202"/>
           </a:xfrm>
         </p:spPr>
         <p:txBody>
@@ -1681,39 +1490,39 @@
           <a:lstStyle>
             <a:lvl1pPr marL="0" indent="0">
               <a:buNone/>
-              <a:defRPr sz="2400" b="1"/>
+              <a:defRPr sz="1760" b="1"/>
             </a:lvl1pPr>
-            <a:lvl2pPr marL="457200" indent="0">
-              <a:buNone/>
-              <a:defRPr sz="2000" b="1"/>
+            <a:lvl2pPr marL="335265" indent="0">
+              <a:buNone/>
+              <a:defRPr sz="1467" b="1"/>
             </a:lvl2pPr>
-            <a:lvl3pPr marL="914400" indent="0">
-              <a:buNone/>
-              <a:defRPr sz="1800" b="1"/>
+            <a:lvl3pPr marL="670530" indent="0">
+              <a:buNone/>
+              <a:defRPr sz="1320" b="1"/>
             </a:lvl3pPr>
-            <a:lvl4pPr marL="1371600" indent="0">
-              <a:buNone/>
-              <a:defRPr sz="1600" b="1"/>
+            <a:lvl4pPr marL="1005794" indent="0">
+              <a:buNone/>
+              <a:defRPr sz="1173" b="1"/>
             </a:lvl4pPr>
-            <a:lvl5pPr marL="1828800" indent="0">
-              <a:buNone/>
-              <a:defRPr sz="1600" b="1"/>
+            <a:lvl5pPr marL="1341059" indent="0">
+              <a:buNone/>
+              <a:defRPr sz="1173" b="1"/>
             </a:lvl5pPr>
-            <a:lvl6pPr marL="2286000" indent="0">
-              <a:buNone/>
-              <a:defRPr sz="1600" b="1"/>
+            <a:lvl6pPr marL="1676324" indent="0">
+              <a:buNone/>
+              <a:defRPr sz="1173" b="1"/>
             </a:lvl6pPr>
-            <a:lvl7pPr marL="2743200" indent="0">
-              <a:buNone/>
-              <a:defRPr sz="1600" b="1"/>
+            <a:lvl7pPr marL="2011589" indent="0">
+              <a:buNone/>
+              <a:defRPr sz="1173" b="1"/>
             </a:lvl7pPr>
-            <a:lvl8pPr marL="3200400" indent="0">
-              <a:buNone/>
-              <a:defRPr sz="1600" b="1"/>
+            <a:lvl8pPr marL="2346853" indent="0">
+              <a:buNone/>
+              <a:defRPr sz="1173" b="1"/>
             </a:lvl8pPr>
-            <a:lvl9pPr marL="3657600" indent="0">
-              <a:buNone/>
-              <a:defRPr sz="1600" b="1"/>
+            <a:lvl9pPr marL="2682118" indent="0">
+              <a:buNone/>
+              <a:defRPr sz="1173" b="1"/>
             </a:lvl9pPr>
           </a:lstStyle>
           <a:p>
@@ -1727,13 +1536,7 @@
       </p:sp>
       <p:sp>
         <p:nvSpPr>
-          <p:cNvPr id="6" name="Content Placeholder 5">
-            <a:extLst>
-              <a:ext uri="{FF2B5EF4-FFF2-40B4-BE49-F238E27FC236}">
-                <a16:creationId xmlns:a16="http://schemas.microsoft.com/office/drawing/2014/main" id="{FB6DEC4C-ED9D-AA17-12CC-BD2C8F0D94A9}"/>
-              </a:ext>
-            </a:extLst>
-          </p:cNvPr>
+          <p:cNvPr id="6" name="Content Placeholder 5"/>
           <p:cNvSpPr>
             <a:spLocks noGrp="1"/>
           </p:cNvSpPr>
@@ -1743,8 +1546,8 @@
         </p:nvSpPr>
         <p:spPr>
           <a:xfrm>
-            <a:off x="6172200" y="2505075"/>
-            <a:ext cx="5183188" cy="3684588"/>
+            <a:off x="6172200" y="1837055"/>
+            <a:ext cx="5183188" cy="2702031"/>
           </a:xfrm>
         </p:spPr>
         <p:txBody>
@@ -1784,18 +1587,13 @@
               <a:rPr lang="en-US"/>
               <a:t>Fifth level</a:t>
             </a:r>
-          </a:p>
-        </p:txBody>
-      </p:sp>
-      <p:sp>
-        <p:nvSpPr>
-          <p:cNvPr id="7" name="Date Placeholder 6">
-            <a:extLst>
-              <a:ext uri="{FF2B5EF4-FFF2-40B4-BE49-F238E27FC236}">
-                <a16:creationId xmlns:a16="http://schemas.microsoft.com/office/drawing/2014/main" id="{30285593-A126-9145-3FF9-549659B47A2E}"/>
-              </a:ext>
-            </a:extLst>
-          </p:cNvPr>
+            <a:endParaRPr lang="en-US" dirty="0"/>
+          </a:p>
+        </p:txBody>
+      </p:sp>
+      <p:sp>
+        <p:nvSpPr>
+          <p:cNvPr id="7" name="Date Placeholder 6"/>
           <p:cNvSpPr>
             <a:spLocks noGrp="1"/>
           </p:cNvSpPr>
@@ -1810,7 +1608,7 @@
           <a:p>
             <a:fld id="{17FCDBB0-6DA1-4273-B163-CEF2F6BB3294}" type="datetimeFigureOut">
               <a:rPr lang="en-US" smtClean="0"/>
-              <a:t>8/15/2023</a:t>
+              <a:t>8/20/2023</a:t>
             </a:fld>
             <a:endParaRPr lang="en-US"/>
           </a:p>
@@ -1818,13 +1616,7 @@
       </p:sp>
       <p:sp>
         <p:nvSpPr>
-          <p:cNvPr id="8" name="Footer Placeholder 7">
-            <a:extLst>
-              <a:ext uri="{FF2B5EF4-FFF2-40B4-BE49-F238E27FC236}">
-                <a16:creationId xmlns:a16="http://schemas.microsoft.com/office/drawing/2014/main" id="{68595B24-48D9-2C3D-2A9B-512F87F0C737}"/>
-              </a:ext>
-            </a:extLst>
-          </p:cNvPr>
+          <p:cNvPr id="8" name="Footer Placeholder 7"/>
           <p:cNvSpPr>
             <a:spLocks noGrp="1"/>
           </p:cNvSpPr>
@@ -1843,13 +1635,7 @@
       </p:sp>
       <p:sp>
         <p:nvSpPr>
-          <p:cNvPr id="9" name="Slide Number Placeholder 8">
-            <a:extLst>
-              <a:ext uri="{FF2B5EF4-FFF2-40B4-BE49-F238E27FC236}">
-                <a16:creationId xmlns:a16="http://schemas.microsoft.com/office/drawing/2014/main" id="{407C9C36-3647-4987-1EF3-2CB1FD9879ED}"/>
-              </a:ext>
-            </a:extLst>
-          </p:cNvPr>
+          <p:cNvPr id="9" name="Slide Number Placeholder 8"/>
           <p:cNvSpPr>
             <a:spLocks noGrp="1"/>
           </p:cNvSpPr>
@@ -1873,7 +1659,7 @@
     </p:spTree>
     <p:extLst>
       <p:ext uri="{BB962C8B-B14F-4D97-AF65-F5344CB8AC3E}">
-        <p14:creationId xmlns:p14="http://schemas.microsoft.com/office/powerpoint/2010/main" val="3074456175"/>
+        <p14:creationId xmlns:p14="http://schemas.microsoft.com/office/powerpoint/2010/main" val="1449204584"/>
       </p:ext>
     </p:extLst>
   </p:cSld>
@@ -1902,13 +1688,7 @@
       </p:grpSpPr>
       <p:sp>
         <p:nvSpPr>
-          <p:cNvPr id="2" name="Title 1">
-            <a:extLst>
-              <a:ext uri="{FF2B5EF4-FFF2-40B4-BE49-F238E27FC236}">
-                <a16:creationId xmlns:a16="http://schemas.microsoft.com/office/drawing/2014/main" id="{053EDFE6-4434-1E16-8D5D-E56C758F0A94}"/>
-              </a:ext>
-            </a:extLst>
-          </p:cNvPr>
+          <p:cNvPr id="2" name="Title 1"/>
           <p:cNvSpPr>
             <a:spLocks noGrp="1"/>
           </p:cNvSpPr>
@@ -1925,18 +1705,13 @@
               <a:rPr lang="en-US"/>
               <a:t>Click to edit Master title style</a:t>
             </a:r>
-          </a:p>
-        </p:txBody>
-      </p:sp>
-      <p:sp>
-        <p:nvSpPr>
-          <p:cNvPr id="3" name="Date Placeholder 2">
-            <a:extLst>
-              <a:ext uri="{FF2B5EF4-FFF2-40B4-BE49-F238E27FC236}">
-                <a16:creationId xmlns:a16="http://schemas.microsoft.com/office/drawing/2014/main" id="{5A40474E-BE46-A7C9-B6CB-DA3869D2243A}"/>
-              </a:ext>
-            </a:extLst>
-          </p:cNvPr>
+            <a:endParaRPr lang="en-US" dirty="0"/>
+          </a:p>
+        </p:txBody>
+      </p:sp>
+      <p:sp>
+        <p:nvSpPr>
+          <p:cNvPr id="3" name="Date Placeholder 2"/>
           <p:cNvSpPr>
             <a:spLocks noGrp="1"/>
           </p:cNvSpPr>
@@ -1951,7 +1726,7 @@
           <a:p>
             <a:fld id="{17FCDBB0-6DA1-4273-B163-CEF2F6BB3294}" type="datetimeFigureOut">
               <a:rPr lang="en-US" smtClean="0"/>
-              <a:t>8/15/2023</a:t>
+              <a:t>8/20/2023</a:t>
             </a:fld>
             <a:endParaRPr lang="en-US"/>
           </a:p>
@@ -1959,13 +1734,7 @@
       </p:sp>
       <p:sp>
         <p:nvSpPr>
-          <p:cNvPr id="4" name="Footer Placeholder 3">
-            <a:extLst>
-              <a:ext uri="{FF2B5EF4-FFF2-40B4-BE49-F238E27FC236}">
-                <a16:creationId xmlns:a16="http://schemas.microsoft.com/office/drawing/2014/main" id="{3DFF703A-D6FA-373D-C7B5-CC38E817D97B}"/>
-              </a:ext>
-            </a:extLst>
-          </p:cNvPr>
+          <p:cNvPr id="4" name="Footer Placeholder 3"/>
           <p:cNvSpPr>
             <a:spLocks noGrp="1"/>
           </p:cNvSpPr>
@@ -1984,13 +1753,7 @@
       </p:sp>
       <p:sp>
         <p:nvSpPr>
-          <p:cNvPr id="5" name="Slide Number Placeholder 4">
-            <a:extLst>
-              <a:ext uri="{FF2B5EF4-FFF2-40B4-BE49-F238E27FC236}">
-                <a16:creationId xmlns:a16="http://schemas.microsoft.com/office/drawing/2014/main" id="{D192E34E-D033-D5B4-C10F-FB46DDE0A552}"/>
-              </a:ext>
-            </a:extLst>
-          </p:cNvPr>
+          <p:cNvPr id="5" name="Slide Number Placeholder 4"/>
           <p:cNvSpPr>
             <a:spLocks noGrp="1"/>
           </p:cNvSpPr>
@@ -2014,7 +1777,7 @@
     </p:spTree>
     <p:extLst>
       <p:ext uri="{BB962C8B-B14F-4D97-AF65-F5344CB8AC3E}">
-        <p14:creationId xmlns:p14="http://schemas.microsoft.com/office/powerpoint/2010/main" val="4023120855"/>
+        <p14:creationId xmlns:p14="http://schemas.microsoft.com/office/powerpoint/2010/main" val="1257193543"/>
       </p:ext>
     </p:extLst>
   </p:cSld>
@@ -2043,13 +1806,7 @@
       </p:grpSpPr>
       <p:sp>
         <p:nvSpPr>
-          <p:cNvPr id="2" name="Date Placeholder 1">
-            <a:extLst>
-              <a:ext uri="{FF2B5EF4-FFF2-40B4-BE49-F238E27FC236}">
-                <a16:creationId xmlns:a16="http://schemas.microsoft.com/office/drawing/2014/main" id="{002A3CB3-11D7-D0A2-EE80-ED0B6E51517B}"/>
-              </a:ext>
-            </a:extLst>
-          </p:cNvPr>
+          <p:cNvPr id="2" name="Date Placeholder 1"/>
           <p:cNvSpPr>
             <a:spLocks noGrp="1"/>
           </p:cNvSpPr>
@@ -2064,7 +1821,7 @@
           <a:p>
             <a:fld id="{17FCDBB0-6DA1-4273-B163-CEF2F6BB3294}" type="datetimeFigureOut">
               <a:rPr lang="en-US" smtClean="0"/>
-              <a:t>8/15/2023</a:t>
+              <a:t>8/20/2023</a:t>
             </a:fld>
             <a:endParaRPr lang="en-US"/>
           </a:p>
@@ -2072,13 +1829,7 @@
       </p:sp>
       <p:sp>
         <p:nvSpPr>
-          <p:cNvPr id="3" name="Footer Placeholder 2">
-            <a:extLst>
-              <a:ext uri="{FF2B5EF4-FFF2-40B4-BE49-F238E27FC236}">
-                <a16:creationId xmlns:a16="http://schemas.microsoft.com/office/drawing/2014/main" id="{D5FCE099-847F-7F96-A1C5-49B451149152}"/>
-              </a:ext>
-            </a:extLst>
-          </p:cNvPr>
+          <p:cNvPr id="3" name="Footer Placeholder 2"/>
           <p:cNvSpPr>
             <a:spLocks noGrp="1"/>
           </p:cNvSpPr>
@@ -2097,13 +1848,7 @@
       </p:sp>
       <p:sp>
         <p:nvSpPr>
-          <p:cNvPr id="4" name="Slide Number Placeholder 3">
-            <a:extLst>
-              <a:ext uri="{FF2B5EF4-FFF2-40B4-BE49-F238E27FC236}">
-                <a16:creationId xmlns:a16="http://schemas.microsoft.com/office/drawing/2014/main" id="{5EE408B8-B64D-229C-1196-AFAEA89C7BAB}"/>
-              </a:ext>
-            </a:extLst>
-          </p:cNvPr>
+          <p:cNvPr id="4" name="Slide Number Placeholder 3"/>
           <p:cNvSpPr>
             <a:spLocks noGrp="1"/>
           </p:cNvSpPr>
@@ -2127,7 +1872,7 @@
     </p:spTree>
     <p:extLst>
       <p:ext uri="{BB962C8B-B14F-4D97-AF65-F5344CB8AC3E}">
-        <p14:creationId xmlns:p14="http://schemas.microsoft.com/office/powerpoint/2010/main" val="1738878419"/>
+        <p14:creationId xmlns:p14="http://schemas.microsoft.com/office/powerpoint/2010/main" val="888880181"/>
       </p:ext>
     </p:extLst>
   </p:cSld>
@@ -2156,13 +1901,7 @@
       </p:grpSpPr>
       <p:sp>
         <p:nvSpPr>
-          <p:cNvPr id="2" name="Title 1">
-            <a:extLst>
-              <a:ext uri="{FF2B5EF4-FFF2-40B4-BE49-F238E27FC236}">
-                <a16:creationId xmlns:a16="http://schemas.microsoft.com/office/drawing/2014/main" id="{9659974E-F672-29AC-D513-AE29E02B880F}"/>
-              </a:ext>
-            </a:extLst>
-          </p:cNvPr>
+          <p:cNvPr id="2" name="Title 1"/>
           <p:cNvSpPr>
             <a:spLocks noGrp="1"/>
           </p:cNvSpPr>
@@ -2172,15 +1911,15 @@
         </p:nvSpPr>
         <p:spPr>
           <a:xfrm>
-            <a:off x="839788" y="457200"/>
-            <a:ext cx="3932237" cy="1600200"/>
+            <a:off x="839789" y="335280"/>
+            <a:ext cx="3932237" cy="1173480"/>
           </a:xfrm>
         </p:spPr>
         <p:txBody>
           <a:bodyPr anchor="b"/>
           <a:lstStyle>
             <a:lvl1pPr>
-              <a:defRPr sz="3200"/>
+              <a:defRPr sz="2347"/>
             </a:lvl1pPr>
           </a:lstStyle>
           <a:p>
@@ -2188,18 +1927,13 @@
               <a:rPr lang="en-US"/>
               <a:t>Click to edit Master title style</a:t>
             </a:r>
-          </a:p>
-        </p:txBody>
-      </p:sp>
-      <p:sp>
-        <p:nvSpPr>
-          <p:cNvPr id="3" name="Content Placeholder 2">
-            <a:extLst>
-              <a:ext uri="{FF2B5EF4-FFF2-40B4-BE49-F238E27FC236}">
-                <a16:creationId xmlns:a16="http://schemas.microsoft.com/office/drawing/2014/main" id="{173712A9-F9E5-487F-0D41-0469DCF7E1E5}"/>
-              </a:ext>
-            </a:extLst>
-          </p:cNvPr>
+            <a:endParaRPr lang="en-US" dirty="0"/>
+          </a:p>
+        </p:txBody>
+      </p:sp>
+      <p:sp>
+        <p:nvSpPr>
+          <p:cNvPr id="3" name="Content Placeholder 2"/>
           <p:cNvSpPr>
             <a:spLocks noGrp="1"/>
           </p:cNvSpPr>
@@ -2209,39 +1943,39 @@
         </p:nvSpPr>
         <p:spPr>
           <a:xfrm>
-            <a:off x="5183188" y="987425"/>
-            <a:ext cx="6172200" cy="4873625"/>
+            <a:off x="5183188" y="724112"/>
+            <a:ext cx="6172200" cy="3573992"/>
           </a:xfrm>
         </p:spPr>
         <p:txBody>
           <a:bodyPr/>
           <a:lstStyle>
             <a:lvl1pPr>
-              <a:defRPr sz="3200"/>
+              <a:defRPr sz="2347"/>
             </a:lvl1pPr>
             <a:lvl2pPr>
-              <a:defRPr sz="2800"/>
+              <a:defRPr sz="2053"/>
             </a:lvl2pPr>
             <a:lvl3pPr>
-              <a:defRPr sz="2400"/>
+              <a:defRPr sz="1760"/>
             </a:lvl3pPr>
             <a:lvl4pPr>
-              <a:defRPr sz="2000"/>
+              <a:defRPr sz="1467"/>
             </a:lvl4pPr>
             <a:lvl5pPr>
-              <a:defRPr sz="2000"/>
+              <a:defRPr sz="1467"/>
             </a:lvl5pPr>
             <a:lvl6pPr>
-              <a:defRPr sz="2000"/>
+              <a:defRPr sz="1467"/>
             </a:lvl6pPr>
             <a:lvl7pPr>
-              <a:defRPr sz="2000"/>
+              <a:defRPr sz="1467"/>
             </a:lvl7pPr>
             <a:lvl8pPr>
-              <a:defRPr sz="2000"/>
+              <a:defRPr sz="1467"/>
             </a:lvl8pPr>
             <a:lvl9pPr>
-              <a:defRPr sz="2000"/>
+              <a:defRPr sz="1467"/>
             </a:lvl9pPr>
           </a:lstStyle>
           <a:p>
@@ -2278,18 +2012,13 @@
               <a:rPr lang="en-US"/>
               <a:t>Fifth level</a:t>
             </a:r>
-          </a:p>
-        </p:txBody>
-      </p:sp>
-      <p:sp>
-        <p:nvSpPr>
-          <p:cNvPr id="4" name="Text Placeholder 3">
-            <a:extLst>
-              <a:ext uri="{FF2B5EF4-FFF2-40B4-BE49-F238E27FC236}">
-                <a16:creationId xmlns:a16="http://schemas.microsoft.com/office/drawing/2014/main" id="{890791A6-68F4-DA5C-CAD0-6103BE7EA5F6}"/>
-              </a:ext>
-            </a:extLst>
-          </p:cNvPr>
+            <a:endParaRPr lang="en-US" dirty="0"/>
+          </a:p>
+        </p:txBody>
+      </p:sp>
+      <p:sp>
+        <p:nvSpPr>
+          <p:cNvPr id="4" name="Text Placeholder 3"/>
           <p:cNvSpPr>
             <a:spLocks noGrp="1"/>
           </p:cNvSpPr>
@@ -2299,8 +2028,8 @@
         </p:nvSpPr>
         <p:spPr>
           <a:xfrm>
-            <a:off x="839788" y="2057400"/>
-            <a:ext cx="3932237" cy="3811588"/>
+            <a:off x="839789" y="1508760"/>
+            <a:ext cx="3932237" cy="2795165"/>
           </a:xfrm>
         </p:spPr>
         <p:txBody>
@@ -2308,39 +2037,39 @@
           <a:lstStyle>
             <a:lvl1pPr marL="0" indent="0">
               <a:buNone/>
-              <a:defRPr sz="1600"/>
+              <a:defRPr sz="1173"/>
             </a:lvl1pPr>
-            <a:lvl2pPr marL="457200" indent="0">
-              <a:buNone/>
-              <a:defRPr sz="1400"/>
+            <a:lvl2pPr marL="335265" indent="0">
+              <a:buNone/>
+              <a:defRPr sz="1027"/>
             </a:lvl2pPr>
-            <a:lvl3pPr marL="914400" indent="0">
-              <a:buNone/>
-              <a:defRPr sz="1200"/>
+            <a:lvl3pPr marL="670530" indent="0">
+              <a:buNone/>
+              <a:defRPr sz="880"/>
             </a:lvl3pPr>
-            <a:lvl4pPr marL="1371600" indent="0">
-              <a:buNone/>
-              <a:defRPr sz="1000"/>
+            <a:lvl4pPr marL="1005794" indent="0">
+              <a:buNone/>
+              <a:defRPr sz="733"/>
             </a:lvl4pPr>
-            <a:lvl5pPr marL="1828800" indent="0">
-              <a:buNone/>
-              <a:defRPr sz="1000"/>
+            <a:lvl5pPr marL="1341059" indent="0">
+              <a:buNone/>
+              <a:defRPr sz="733"/>
             </a:lvl5pPr>
-            <a:lvl6pPr marL="2286000" indent="0">
-              <a:buNone/>
-              <a:defRPr sz="1000"/>
+            <a:lvl6pPr marL="1676324" indent="0">
+              <a:buNone/>
+              <a:defRPr sz="733"/>
             </a:lvl6pPr>
-            <a:lvl7pPr marL="2743200" indent="0">
-              <a:buNone/>
-              <a:defRPr sz="1000"/>
+            <a:lvl7pPr marL="2011589" indent="0">
+              <a:buNone/>
+              <a:defRPr sz="733"/>
             </a:lvl7pPr>
-            <a:lvl8pPr marL="3200400" indent="0">
-              <a:buNone/>
-              <a:defRPr sz="1000"/>
+            <a:lvl8pPr marL="2346853" indent="0">
+              <a:buNone/>
+              <a:defRPr sz="733"/>
             </a:lvl8pPr>
-            <a:lvl9pPr marL="3657600" indent="0">
-              <a:buNone/>
-              <a:defRPr sz="1000"/>
+            <a:lvl9pPr marL="2682118" indent="0">
+              <a:buNone/>
+              <a:defRPr sz="733"/>
             </a:lvl9pPr>
           </a:lstStyle>
           <a:p>
@@ -2354,13 +2083,7 @@
       </p:sp>
       <p:sp>
         <p:nvSpPr>
-          <p:cNvPr id="5" name="Date Placeholder 4">
-            <a:extLst>
-              <a:ext uri="{FF2B5EF4-FFF2-40B4-BE49-F238E27FC236}">
-                <a16:creationId xmlns:a16="http://schemas.microsoft.com/office/drawing/2014/main" id="{90451399-D7F8-0930-94D5-A0F6151B6971}"/>
-              </a:ext>
-            </a:extLst>
-          </p:cNvPr>
+          <p:cNvPr id="5" name="Date Placeholder 4"/>
           <p:cNvSpPr>
             <a:spLocks noGrp="1"/>
           </p:cNvSpPr>
@@ -2375,7 +2098,7 @@
           <a:p>
             <a:fld id="{17FCDBB0-6DA1-4273-B163-CEF2F6BB3294}" type="datetimeFigureOut">
               <a:rPr lang="en-US" smtClean="0"/>
-              <a:t>8/15/2023</a:t>
+              <a:t>8/20/2023</a:t>
             </a:fld>
             <a:endParaRPr lang="en-US"/>
           </a:p>
@@ -2383,13 +2106,7 @@
       </p:sp>
       <p:sp>
         <p:nvSpPr>
-          <p:cNvPr id="6" name="Footer Placeholder 5">
-            <a:extLst>
-              <a:ext uri="{FF2B5EF4-FFF2-40B4-BE49-F238E27FC236}">
-                <a16:creationId xmlns:a16="http://schemas.microsoft.com/office/drawing/2014/main" id="{0F36F6DF-7C45-ACB3-6BA6-F0DE5F2B35E5}"/>
-              </a:ext>
-            </a:extLst>
-          </p:cNvPr>
+          <p:cNvPr id="6" name="Footer Placeholder 5"/>
           <p:cNvSpPr>
             <a:spLocks noGrp="1"/>
           </p:cNvSpPr>
@@ -2408,13 +2125,7 @@
       </p:sp>
       <p:sp>
         <p:nvSpPr>
-          <p:cNvPr id="7" name="Slide Number Placeholder 6">
-            <a:extLst>
-              <a:ext uri="{FF2B5EF4-FFF2-40B4-BE49-F238E27FC236}">
-                <a16:creationId xmlns:a16="http://schemas.microsoft.com/office/drawing/2014/main" id="{9E961B83-40E8-4332-34D4-76CF77213DBA}"/>
-              </a:ext>
-            </a:extLst>
-          </p:cNvPr>
+          <p:cNvPr id="7" name="Slide Number Placeholder 6"/>
           <p:cNvSpPr>
             <a:spLocks noGrp="1"/>
           </p:cNvSpPr>
@@ -2438,7 +2149,7 @@
     </p:spTree>
     <p:extLst>
       <p:ext uri="{BB962C8B-B14F-4D97-AF65-F5344CB8AC3E}">
-        <p14:creationId xmlns:p14="http://schemas.microsoft.com/office/powerpoint/2010/main" val="3854727726"/>
+        <p14:creationId xmlns:p14="http://schemas.microsoft.com/office/powerpoint/2010/main" val="3425247080"/>
       </p:ext>
     </p:extLst>
   </p:cSld>
@@ -2467,13 +2178,7 @@
       </p:grpSpPr>
       <p:sp>
         <p:nvSpPr>
-          <p:cNvPr id="2" name="Title 1">
-            <a:extLst>
-              <a:ext uri="{FF2B5EF4-FFF2-40B4-BE49-F238E27FC236}">
-                <a16:creationId xmlns:a16="http://schemas.microsoft.com/office/drawing/2014/main" id="{FF2F831F-82D8-0183-C5E6-3F570217415B}"/>
-              </a:ext>
-            </a:extLst>
-          </p:cNvPr>
+          <p:cNvPr id="2" name="Title 1"/>
           <p:cNvSpPr>
             <a:spLocks noGrp="1"/>
           </p:cNvSpPr>
@@ -2483,15 +2188,15 @@
         </p:nvSpPr>
         <p:spPr>
           <a:xfrm>
-            <a:off x="839788" y="457200"/>
-            <a:ext cx="3932237" cy="1600200"/>
+            <a:off x="839789" y="335280"/>
+            <a:ext cx="3932237" cy="1173480"/>
           </a:xfrm>
         </p:spPr>
         <p:txBody>
           <a:bodyPr anchor="b"/>
           <a:lstStyle>
             <a:lvl1pPr>
-              <a:defRPr sz="3200"/>
+              <a:defRPr sz="2347"/>
             </a:lvl1pPr>
           </a:lstStyle>
           <a:p>
@@ -2499,20 +2204,15 @@
               <a:rPr lang="en-US"/>
               <a:t>Click to edit Master title style</a:t>
             </a:r>
-          </a:p>
-        </p:txBody>
-      </p:sp>
-      <p:sp>
-        <p:nvSpPr>
-          <p:cNvPr id="3" name="Picture Placeholder 2">
-            <a:extLst>
-              <a:ext uri="{FF2B5EF4-FFF2-40B4-BE49-F238E27FC236}">
-                <a16:creationId xmlns:a16="http://schemas.microsoft.com/office/drawing/2014/main" id="{C58F5CC7-D081-A166-B890-D1BBB8B87257}"/>
-              </a:ext>
-            </a:extLst>
-          </p:cNvPr>
-          <p:cNvSpPr>
-            <a:spLocks noGrp="1"/>
+            <a:endParaRPr lang="en-US" dirty="0"/>
+          </a:p>
+        </p:txBody>
+      </p:sp>
+      <p:sp>
+        <p:nvSpPr>
+          <p:cNvPr id="3" name="Picture Placeholder 2"/>
+          <p:cNvSpPr>
+            <a:spLocks noGrp="1" noChangeAspect="1"/>
           </p:cNvSpPr>
           <p:nvPr>
             <p:ph type="pic" idx="1"/>
@@ -2520,8 +2220,73 @@
         </p:nvSpPr>
         <p:spPr>
           <a:xfrm>
-            <a:off x="5183188" y="987425"/>
-            <a:ext cx="6172200" cy="4873625"/>
+            <a:off x="5183188" y="724112"/>
+            <a:ext cx="6172200" cy="3573992"/>
+          </a:xfrm>
+        </p:spPr>
+        <p:txBody>
+          <a:bodyPr anchor="t"/>
+          <a:lstStyle>
+            <a:lvl1pPr marL="0" indent="0">
+              <a:buNone/>
+              <a:defRPr sz="2347"/>
+            </a:lvl1pPr>
+            <a:lvl2pPr marL="335265" indent="0">
+              <a:buNone/>
+              <a:defRPr sz="2053"/>
+            </a:lvl2pPr>
+            <a:lvl3pPr marL="670530" indent="0">
+              <a:buNone/>
+              <a:defRPr sz="1760"/>
+            </a:lvl3pPr>
+            <a:lvl4pPr marL="1005794" indent="0">
+              <a:buNone/>
+              <a:defRPr sz="1467"/>
+            </a:lvl4pPr>
+            <a:lvl5pPr marL="1341059" indent="0">
+              <a:buNone/>
+              <a:defRPr sz="1467"/>
+            </a:lvl5pPr>
+            <a:lvl6pPr marL="1676324" indent="0">
+              <a:buNone/>
+              <a:defRPr sz="1467"/>
+            </a:lvl6pPr>
+            <a:lvl7pPr marL="2011589" indent="0">
+              <a:buNone/>
+              <a:defRPr sz="1467"/>
+            </a:lvl7pPr>
+            <a:lvl8pPr marL="2346853" indent="0">
+              <a:buNone/>
+              <a:defRPr sz="1467"/>
+            </a:lvl8pPr>
+            <a:lvl9pPr marL="2682118" indent="0">
+              <a:buNone/>
+              <a:defRPr sz="1467"/>
+            </a:lvl9pPr>
+          </a:lstStyle>
+          <a:p>
+            <a:r>
+              <a:rPr lang="en-US"/>
+              <a:t>Click icon to add picture</a:t>
+            </a:r>
+            <a:endParaRPr lang="en-US" dirty="0"/>
+          </a:p>
+        </p:txBody>
+      </p:sp>
+      <p:sp>
+        <p:nvSpPr>
+          <p:cNvPr id="4" name="Text Placeholder 3"/>
+          <p:cNvSpPr>
+            <a:spLocks noGrp="1"/>
+          </p:cNvSpPr>
+          <p:nvPr>
+            <p:ph type="body" sz="half" idx="2"/>
+          </p:nvPr>
+        </p:nvSpPr>
+        <p:spPr>
+          <a:xfrm>
+            <a:off x="839789" y="1508760"/>
+            <a:ext cx="3932237" cy="2795165"/>
           </a:xfrm>
         </p:spPr>
         <p:txBody>
@@ -2529,109 +2294,42 @@
           <a:lstStyle>
             <a:lvl1pPr marL="0" indent="0">
               <a:buNone/>
-              <a:defRPr sz="3200"/>
+              <a:defRPr sz="1173"/>
             </a:lvl1pPr>
-            <a:lvl2pPr marL="457200" indent="0">
-              <a:buNone/>
-              <a:defRPr sz="2800"/>
+            <a:lvl2pPr marL="335265" indent="0">
+              <a:buNone/>
+              <a:defRPr sz="1027"/>
             </a:lvl2pPr>
-            <a:lvl3pPr marL="914400" indent="0">
-              <a:buNone/>
-              <a:defRPr sz="2400"/>
+            <a:lvl3pPr marL="670530" indent="0">
+              <a:buNone/>
+              <a:defRPr sz="880"/>
             </a:lvl3pPr>
-            <a:lvl4pPr marL="1371600" indent="0">
-              <a:buNone/>
-              <a:defRPr sz="2000"/>
+            <a:lvl4pPr marL="1005794" indent="0">
+              <a:buNone/>
+              <a:defRPr sz="733"/>
             </a:lvl4pPr>
-            <a:lvl5pPr marL="1828800" indent="0">
-              <a:buNone/>
-              <a:defRPr sz="2000"/>
+            <a:lvl5pPr marL="1341059" indent="0">
+              <a:buNone/>
+              <a:defRPr sz="733"/>
             </a:lvl5pPr>
-            <a:lvl6pPr marL="2286000" indent="0">
-              <a:buNone/>
-              <a:defRPr sz="2000"/>
+            <a:lvl6pPr marL="1676324" indent="0">
+              <a:buNone/>
+              <a:defRPr sz="733"/>
             </a:lvl6pPr>
-            <a:lvl7pPr marL="2743200" indent="0">
-              <a:buNone/>
-              <a:defRPr sz="2000"/>
+            <a:lvl7pPr marL="2011589" indent="0">
+              <a:buNone/>
+              <a:defRPr sz="733"/>
             </a:lvl7pPr>
-            <a:lvl8pPr marL="3200400" indent="0">
-              <a:buNone/>
-              <a:defRPr sz="2000"/>
+            <a:lvl8pPr marL="2346853" indent="0">
+              <a:buNone/>
+              <a:defRPr sz="733"/>
             </a:lvl8pPr>
-            <a:lvl9pPr marL="3657600" indent="0">
-              <a:buNone/>
-              <a:defRPr sz="2000"/>
+            <a:lvl9pPr marL="2682118" indent="0">
+              <a:buNone/>
+              <a:defRPr sz="733"/>
             </a:lvl9pPr>
           </a:lstStyle>
           <a:p>
-            <a:endParaRPr lang="en-US"/>
-          </a:p>
-        </p:txBody>
-      </p:sp>
-      <p:sp>
-        <p:nvSpPr>
-          <p:cNvPr id="4" name="Text Placeholder 3">
-            <a:extLst>
-              <a:ext uri="{FF2B5EF4-FFF2-40B4-BE49-F238E27FC236}">
-                <a16:creationId xmlns:a16="http://schemas.microsoft.com/office/drawing/2014/main" id="{FD854E70-47F2-EDFC-0F92-E74D242F492E}"/>
-              </a:ext>
-            </a:extLst>
-          </p:cNvPr>
-          <p:cNvSpPr>
-            <a:spLocks noGrp="1"/>
-          </p:cNvSpPr>
-          <p:nvPr>
-            <p:ph type="body" sz="half" idx="2"/>
-          </p:nvPr>
-        </p:nvSpPr>
-        <p:spPr>
-          <a:xfrm>
-            <a:off x="839788" y="2057400"/>
-            <a:ext cx="3932237" cy="3811588"/>
-          </a:xfrm>
-        </p:spPr>
-        <p:txBody>
-          <a:bodyPr/>
-          <a:lstStyle>
-            <a:lvl1pPr marL="0" indent="0">
-              <a:buNone/>
-              <a:defRPr sz="1600"/>
-            </a:lvl1pPr>
-            <a:lvl2pPr marL="457200" indent="0">
-              <a:buNone/>
-              <a:defRPr sz="1400"/>
-            </a:lvl2pPr>
-            <a:lvl3pPr marL="914400" indent="0">
-              <a:buNone/>
-              <a:defRPr sz="1200"/>
-            </a:lvl3pPr>
-            <a:lvl4pPr marL="1371600" indent="0">
-              <a:buNone/>
-              <a:defRPr sz="1000"/>
-            </a:lvl4pPr>
-            <a:lvl5pPr marL="1828800" indent="0">
-              <a:buNone/>
-              <a:defRPr sz="1000"/>
-            </a:lvl5pPr>
-            <a:lvl6pPr marL="2286000" indent="0">
-              <a:buNone/>
-              <a:defRPr sz="1000"/>
-            </a:lvl6pPr>
-            <a:lvl7pPr marL="2743200" indent="0">
-              <a:buNone/>
-              <a:defRPr sz="1000"/>
-            </a:lvl7pPr>
-            <a:lvl8pPr marL="3200400" indent="0">
-              <a:buNone/>
-              <a:defRPr sz="1000"/>
-            </a:lvl8pPr>
-            <a:lvl9pPr marL="3657600" indent="0">
-              <a:buNone/>
-              <a:defRPr sz="1000"/>
-            </a:lvl9pPr>
-          </a:lstStyle>
-          <a:p>
             <a:pPr lvl="0"/>
             <a:r>
               <a:rPr lang="en-US"/>
@@ -2642,13 +2340,7 @@
       </p:sp>
       <p:sp>
         <p:nvSpPr>
-          <p:cNvPr id="5" name="Date Placeholder 4">
-            <a:extLst>
-              <a:ext uri="{FF2B5EF4-FFF2-40B4-BE49-F238E27FC236}">
-                <a16:creationId xmlns:a16="http://schemas.microsoft.com/office/drawing/2014/main" id="{C971ED2B-F16C-257E-3A24-5C8FB404169E}"/>
-              </a:ext>
-            </a:extLst>
-          </p:cNvPr>
+          <p:cNvPr id="5" name="Date Placeholder 4"/>
           <p:cNvSpPr>
             <a:spLocks noGrp="1"/>
           </p:cNvSpPr>
@@ -2663,7 +2355,7 @@
           <a:p>
             <a:fld id="{17FCDBB0-6DA1-4273-B163-CEF2F6BB3294}" type="datetimeFigureOut">
               <a:rPr lang="en-US" smtClean="0"/>
-              <a:t>8/15/2023</a:t>
+              <a:t>8/20/2023</a:t>
             </a:fld>
             <a:endParaRPr lang="en-US"/>
           </a:p>
@@ -2671,13 +2363,7 @@
       </p:sp>
       <p:sp>
         <p:nvSpPr>
-          <p:cNvPr id="6" name="Footer Placeholder 5">
-            <a:extLst>
-              <a:ext uri="{FF2B5EF4-FFF2-40B4-BE49-F238E27FC236}">
-                <a16:creationId xmlns:a16="http://schemas.microsoft.com/office/drawing/2014/main" id="{4DD2D135-FA53-877B-74D1-879FF16F1AC9}"/>
-              </a:ext>
-            </a:extLst>
-          </p:cNvPr>
+          <p:cNvPr id="6" name="Footer Placeholder 5"/>
           <p:cNvSpPr>
             <a:spLocks noGrp="1"/>
           </p:cNvSpPr>
@@ -2696,13 +2382,7 @@
       </p:sp>
       <p:sp>
         <p:nvSpPr>
-          <p:cNvPr id="7" name="Slide Number Placeholder 6">
-            <a:extLst>
-              <a:ext uri="{FF2B5EF4-FFF2-40B4-BE49-F238E27FC236}">
-                <a16:creationId xmlns:a16="http://schemas.microsoft.com/office/drawing/2014/main" id="{60FAE67D-68B6-9A6B-3C03-FEFB5C485341}"/>
-              </a:ext>
-            </a:extLst>
-          </p:cNvPr>
+          <p:cNvPr id="7" name="Slide Number Placeholder 6"/>
           <p:cNvSpPr>
             <a:spLocks noGrp="1"/>
           </p:cNvSpPr>
@@ -2726,7 +2406,7 @@
     </p:spTree>
     <p:extLst>
       <p:ext uri="{BB962C8B-B14F-4D97-AF65-F5344CB8AC3E}">
-        <p14:creationId xmlns:p14="http://schemas.microsoft.com/office/powerpoint/2010/main" val="2202049735"/>
+        <p14:creationId xmlns:p14="http://schemas.microsoft.com/office/powerpoint/2010/main" val="2070942071"/>
       </p:ext>
     </p:extLst>
   </p:cSld>
@@ -2760,13 +2440,7 @@
       </p:grpSpPr>
       <p:sp>
         <p:nvSpPr>
-          <p:cNvPr id="2" name="Title Placeholder 1">
-            <a:extLst>
-              <a:ext uri="{FF2B5EF4-FFF2-40B4-BE49-F238E27FC236}">
-                <a16:creationId xmlns:a16="http://schemas.microsoft.com/office/drawing/2014/main" id="{C456342C-82FA-C293-4DA3-8ABC98045C63}"/>
-              </a:ext>
-            </a:extLst>
-          </p:cNvPr>
+          <p:cNvPr id="2" name="Title Placeholder 1"/>
           <p:cNvSpPr>
             <a:spLocks noGrp="1"/>
           </p:cNvSpPr>
@@ -2776,8 +2450,8 @@
         </p:nvSpPr>
         <p:spPr>
           <a:xfrm>
-            <a:off x="838200" y="365125"/>
-            <a:ext cx="10515600" cy="1325563"/>
+            <a:off x="838200" y="267758"/>
+            <a:ext cx="10515600" cy="972080"/>
           </a:xfrm>
           <a:prstGeom prst="rect">
             <a:avLst/>
@@ -2793,18 +2467,13 @@
               <a:rPr lang="en-US"/>
               <a:t>Click to edit Master title style</a:t>
             </a:r>
-          </a:p>
-        </p:txBody>
-      </p:sp>
-      <p:sp>
-        <p:nvSpPr>
-          <p:cNvPr id="3" name="Text Placeholder 2">
-            <a:extLst>
-              <a:ext uri="{FF2B5EF4-FFF2-40B4-BE49-F238E27FC236}">
-                <a16:creationId xmlns:a16="http://schemas.microsoft.com/office/drawing/2014/main" id="{A8397811-E05B-A774-E385-DD2AD0BBC69B}"/>
-              </a:ext>
-            </a:extLst>
-          </p:cNvPr>
+            <a:endParaRPr lang="en-US" dirty="0"/>
+          </a:p>
+        </p:txBody>
+      </p:sp>
+      <p:sp>
+        <p:nvSpPr>
+          <p:cNvPr id="3" name="Text Placeholder 2"/>
           <p:cNvSpPr>
             <a:spLocks noGrp="1"/>
           </p:cNvSpPr>
@@ -2814,8 +2483,8 @@
         </p:nvSpPr>
         <p:spPr>
           <a:xfrm>
-            <a:off x="838200" y="1825625"/>
-            <a:ext cx="10515600" cy="4351338"/>
+            <a:off x="838200" y="1338792"/>
+            <a:ext cx="10515600" cy="3190981"/>
           </a:xfrm>
           <a:prstGeom prst="rect">
             <a:avLst/>
@@ -2860,18 +2529,13 @@
               <a:rPr lang="en-US"/>
               <a:t>Fifth level</a:t>
             </a:r>
-          </a:p>
-        </p:txBody>
-      </p:sp>
-      <p:sp>
-        <p:nvSpPr>
-          <p:cNvPr id="4" name="Date Placeholder 3">
-            <a:extLst>
-              <a:ext uri="{FF2B5EF4-FFF2-40B4-BE49-F238E27FC236}">
-                <a16:creationId xmlns:a16="http://schemas.microsoft.com/office/drawing/2014/main" id="{E142926E-0DEA-249D-614A-DB45D5D9D924}"/>
-              </a:ext>
-            </a:extLst>
-          </p:cNvPr>
+            <a:endParaRPr lang="en-US" dirty="0"/>
+          </a:p>
+        </p:txBody>
+      </p:sp>
+      <p:sp>
+        <p:nvSpPr>
+          <p:cNvPr id="4" name="Date Placeholder 3"/>
           <p:cNvSpPr>
             <a:spLocks noGrp="1"/>
           </p:cNvSpPr>
@@ -2881,8 +2545,8 @@
         </p:nvSpPr>
         <p:spPr>
           <a:xfrm>
-            <a:off x="838200" y="6356350"/>
-            <a:ext cx="2743200" cy="365125"/>
+            <a:off x="838200" y="4661324"/>
+            <a:ext cx="2743200" cy="267758"/>
           </a:xfrm>
           <a:prstGeom prst="rect">
             <a:avLst/>
@@ -2892,7 +2556,7 @@
           <a:bodyPr vert="horz" lIns="91440" tIns="45720" rIns="91440" bIns="45720" rtlCol="0" anchor="ctr"/>
           <a:lstStyle>
             <a:lvl1pPr algn="l">
-              <a:defRPr sz="1200">
+              <a:defRPr sz="880">
                 <a:solidFill>
                   <a:schemeClr val="tx1">
                     <a:tint val="75000"/>
@@ -2904,7 +2568,7 @@
           <a:p>
             <a:fld id="{17FCDBB0-6DA1-4273-B163-CEF2F6BB3294}" type="datetimeFigureOut">
               <a:rPr lang="en-US" smtClean="0"/>
-              <a:t>8/15/2023</a:t>
+              <a:t>8/20/2023</a:t>
             </a:fld>
             <a:endParaRPr lang="en-US"/>
           </a:p>
@@ -2912,13 +2576,7 @@
       </p:sp>
       <p:sp>
         <p:nvSpPr>
-          <p:cNvPr id="5" name="Footer Placeholder 4">
-            <a:extLst>
-              <a:ext uri="{FF2B5EF4-FFF2-40B4-BE49-F238E27FC236}">
-                <a16:creationId xmlns:a16="http://schemas.microsoft.com/office/drawing/2014/main" id="{6BA76F42-6A56-3096-9ACD-CF41F36C456B}"/>
-              </a:ext>
-            </a:extLst>
-          </p:cNvPr>
+          <p:cNvPr id="5" name="Footer Placeholder 4"/>
           <p:cNvSpPr>
             <a:spLocks noGrp="1"/>
           </p:cNvSpPr>
@@ -2928,8 +2586,8 @@
         </p:nvSpPr>
         <p:spPr>
           <a:xfrm>
-            <a:off x="4038600" y="6356350"/>
-            <a:ext cx="4114800" cy="365125"/>
+            <a:off x="4038600" y="4661324"/>
+            <a:ext cx="4114800" cy="267758"/>
           </a:xfrm>
           <a:prstGeom prst="rect">
             <a:avLst/>
@@ -2939,7 +2597,7 @@
           <a:bodyPr vert="horz" lIns="91440" tIns="45720" rIns="91440" bIns="45720" rtlCol="0" anchor="ctr"/>
           <a:lstStyle>
             <a:lvl1pPr algn="ctr">
-              <a:defRPr sz="1200">
+              <a:defRPr sz="880">
                 <a:solidFill>
                   <a:schemeClr val="tx1">
                     <a:tint val="75000"/>
@@ -2955,13 +2613,7 @@
       </p:sp>
       <p:sp>
         <p:nvSpPr>
-          <p:cNvPr id="6" name="Slide Number Placeholder 5">
-            <a:extLst>
-              <a:ext uri="{FF2B5EF4-FFF2-40B4-BE49-F238E27FC236}">
-                <a16:creationId xmlns:a16="http://schemas.microsoft.com/office/drawing/2014/main" id="{99CD1D3F-969D-C0B2-EFF5-5C0C6AB3C3ED}"/>
-              </a:ext>
-            </a:extLst>
-          </p:cNvPr>
+          <p:cNvPr id="6" name="Slide Number Placeholder 5"/>
           <p:cNvSpPr>
             <a:spLocks noGrp="1"/>
           </p:cNvSpPr>
@@ -2971,8 +2623,8 @@
         </p:nvSpPr>
         <p:spPr>
           <a:xfrm>
-            <a:off x="8610600" y="6356350"/>
-            <a:ext cx="2743200" cy="365125"/>
+            <a:off x="8610600" y="4661324"/>
+            <a:ext cx="2743200" cy="267758"/>
           </a:xfrm>
           <a:prstGeom prst="rect">
             <a:avLst/>
@@ -2982,7 +2634,7 @@
           <a:bodyPr vert="horz" lIns="91440" tIns="45720" rIns="91440" bIns="45720" rtlCol="0" anchor="ctr"/>
           <a:lstStyle>
             <a:lvl1pPr algn="r">
-              <a:defRPr sz="1200">
+              <a:defRPr sz="880">
                 <a:solidFill>
                   <a:schemeClr val="tx1">
                     <a:tint val="75000"/>
@@ -3003,27 +2655,27 @@
     </p:spTree>
     <p:extLst>
       <p:ext uri="{BB962C8B-B14F-4D97-AF65-F5344CB8AC3E}">
-        <p14:creationId xmlns:p14="http://schemas.microsoft.com/office/powerpoint/2010/main" val="2730370848"/>
+        <p14:creationId xmlns:p14="http://schemas.microsoft.com/office/powerpoint/2010/main" val="513443025"/>
       </p:ext>
     </p:extLst>
   </p:cSld>
   <p:clrMap bg1="lt1" tx1="dk1" bg2="lt2" tx2="dk2" accent1="accent1" accent2="accent2" accent3="accent3" accent4="accent4" accent5="accent5" accent6="accent6" hlink="hlink" folHlink="folHlink"/>
   <p:sldLayoutIdLst>
-    <p:sldLayoutId id="2147483649" r:id="rId1"/>
-    <p:sldLayoutId id="2147483650" r:id="rId2"/>
-    <p:sldLayoutId id="2147483651" r:id="rId3"/>
-    <p:sldLayoutId id="2147483652" r:id="rId4"/>
-    <p:sldLayoutId id="2147483653" r:id="rId5"/>
-    <p:sldLayoutId id="2147483654" r:id="rId6"/>
-    <p:sldLayoutId id="2147483655" r:id="rId7"/>
-    <p:sldLayoutId id="2147483656" r:id="rId8"/>
-    <p:sldLayoutId id="2147483657" r:id="rId9"/>
-    <p:sldLayoutId id="2147483658" r:id="rId10"/>
-    <p:sldLayoutId id="2147483659" r:id="rId11"/>
+    <p:sldLayoutId id="2147483673" r:id="rId1"/>
+    <p:sldLayoutId id="2147483674" r:id="rId2"/>
+    <p:sldLayoutId id="2147483675" r:id="rId3"/>
+    <p:sldLayoutId id="2147483676" r:id="rId4"/>
+    <p:sldLayoutId id="2147483677" r:id="rId5"/>
+    <p:sldLayoutId id="2147483678" r:id="rId6"/>
+    <p:sldLayoutId id="2147483679" r:id="rId7"/>
+    <p:sldLayoutId id="2147483680" r:id="rId8"/>
+    <p:sldLayoutId id="2147483681" r:id="rId9"/>
+    <p:sldLayoutId id="2147483682" r:id="rId10"/>
+    <p:sldLayoutId id="2147483683" r:id="rId11"/>
   </p:sldLayoutIdLst>
   <p:txStyles>
     <p:titleStyle>
-      <a:lvl1pPr algn="l" defTabSz="914400" rtl="0" eaLnBrk="1" latinLnBrk="0" hangingPunct="1">
+      <a:lvl1pPr algn="l" defTabSz="670530" rtl="0" eaLnBrk="1" latinLnBrk="0" hangingPunct="1">
         <a:lnSpc>
           <a:spcPct val="90000"/>
         </a:lnSpc>
@@ -3031,7 +2683,7 @@
           <a:spcPct val="0"/>
         </a:spcBef>
         <a:buNone/>
-        <a:defRPr sz="4400" kern="1200">
+        <a:defRPr sz="3227" kern="1200">
           <a:solidFill>
             <a:schemeClr val="tx1"/>
           </a:solidFill>
@@ -3042,16 +2694,16 @@
       </a:lvl1pPr>
     </p:titleStyle>
     <p:bodyStyle>
-      <a:lvl1pPr marL="228600" indent="-228600" algn="l" defTabSz="914400" rtl="0" eaLnBrk="1" latinLnBrk="0" hangingPunct="1">
+      <a:lvl1pPr marL="167632" indent="-167632" algn="l" defTabSz="670530" rtl="0" eaLnBrk="1" latinLnBrk="0" hangingPunct="1">
         <a:lnSpc>
           <a:spcPct val="90000"/>
         </a:lnSpc>
         <a:spcBef>
-          <a:spcPts val="1000"/>
+          <a:spcPts val="733"/>
         </a:spcBef>
         <a:buFont typeface="Arial" panose="020B0604020202020204" pitchFamily="34" charset="0"/>
         <a:buChar char="•"/>
-        <a:defRPr sz="2800" kern="1200">
+        <a:defRPr sz="2053" kern="1200">
           <a:solidFill>
             <a:schemeClr val="tx1"/>
           </a:solidFill>
@@ -3060,16 +2712,16 @@
           <a:cs typeface="+mn-cs"/>
         </a:defRPr>
       </a:lvl1pPr>
-      <a:lvl2pPr marL="685800" indent="-228600" algn="l" defTabSz="914400" rtl="0" eaLnBrk="1" latinLnBrk="0" hangingPunct="1">
+      <a:lvl2pPr marL="502897" indent="-167632" algn="l" defTabSz="670530" rtl="0" eaLnBrk="1" latinLnBrk="0" hangingPunct="1">
         <a:lnSpc>
           <a:spcPct val="90000"/>
         </a:lnSpc>
         <a:spcBef>
-          <a:spcPts val="500"/>
+          <a:spcPts val="367"/>
         </a:spcBef>
         <a:buFont typeface="Arial" panose="020B0604020202020204" pitchFamily="34" charset="0"/>
         <a:buChar char="•"/>
-        <a:defRPr sz="2400" kern="1200">
+        <a:defRPr sz="1760" kern="1200">
           <a:solidFill>
             <a:schemeClr val="tx1"/>
           </a:solidFill>
@@ -3078,16 +2730,16 @@
           <a:cs typeface="+mn-cs"/>
         </a:defRPr>
       </a:lvl2pPr>
-      <a:lvl3pPr marL="1143000" indent="-228600" algn="l" defTabSz="914400" rtl="0" eaLnBrk="1" latinLnBrk="0" hangingPunct="1">
+      <a:lvl3pPr marL="838162" indent="-167632" algn="l" defTabSz="670530" rtl="0" eaLnBrk="1" latinLnBrk="0" hangingPunct="1">
         <a:lnSpc>
           <a:spcPct val="90000"/>
         </a:lnSpc>
         <a:spcBef>
-          <a:spcPts val="500"/>
+          <a:spcPts val="367"/>
         </a:spcBef>
         <a:buFont typeface="Arial" panose="020B0604020202020204" pitchFamily="34" charset="0"/>
         <a:buChar char="•"/>
-        <a:defRPr sz="2000" kern="1200">
+        <a:defRPr sz="1467" kern="1200">
           <a:solidFill>
             <a:schemeClr val="tx1"/>
           </a:solidFill>
@@ -3096,16 +2748,16 @@
           <a:cs typeface="+mn-cs"/>
         </a:defRPr>
       </a:lvl3pPr>
-      <a:lvl4pPr marL="1600200" indent="-228600" algn="l" defTabSz="914400" rtl="0" eaLnBrk="1" latinLnBrk="0" hangingPunct="1">
+      <a:lvl4pPr marL="1173427" indent="-167632" algn="l" defTabSz="670530" rtl="0" eaLnBrk="1" latinLnBrk="0" hangingPunct="1">
         <a:lnSpc>
           <a:spcPct val="90000"/>
         </a:lnSpc>
         <a:spcBef>
-          <a:spcPts val="500"/>
+          <a:spcPts val="367"/>
         </a:spcBef>
         <a:buFont typeface="Arial" panose="020B0604020202020204" pitchFamily="34" charset="0"/>
         <a:buChar char="•"/>
-        <a:defRPr sz="1800" kern="1200">
+        <a:defRPr sz="1320" kern="1200">
           <a:solidFill>
             <a:schemeClr val="tx1"/>
           </a:solidFill>
@@ -3114,16 +2766,16 @@
           <a:cs typeface="+mn-cs"/>
         </a:defRPr>
       </a:lvl4pPr>
-      <a:lvl5pPr marL="2057400" indent="-228600" algn="l" defTabSz="914400" rtl="0" eaLnBrk="1" latinLnBrk="0" hangingPunct="1">
+      <a:lvl5pPr marL="1508691" indent="-167632" algn="l" defTabSz="670530" rtl="0" eaLnBrk="1" latinLnBrk="0" hangingPunct="1">
         <a:lnSpc>
           <a:spcPct val="90000"/>
         </a:lnSpc>
         <a:spcBef>
-          <a:spcPts val="500"/>
+          <a:spcPts val="367"/>
         </a:spcBef>
         <a:buFont typeface="Arial" panose="020B0604020202020204" pitchFamily="34" charset="0"/>
         <a:buChar char="•"/>
-        <a:defRPr sz="1800" kern="1200">
+        <a:defRPr sz="1320" kern="1200">
           <a:solidFill>
             <a:schemeClr val="tx1"/>
           </a:solidFill>
@@ -3132,16 +2784,16 @@
           <a:cs typeface="+mn-cs"/>
         </a:defRPr>
       </a:lvl5pPr>
-      <a:lvl6pPr marL="2514600" indent="-228600" algn="l" defTabSz="914400" rtl="0" eaLnBrk="1" latinLnBrk="0" hangingPunct="1">
+      <a:lvl6pPr marL="1843956" indent="-167632" algn="l" defTabSz="670530" rtl="0" eaLnBrk="1" latinLnBrk="0" hangingPunct="1">
         <a:lnSpc>
           <a:spcPct val="90000"/>
         </a:lnSpc>
         <a:spcBef>
-          <a:spcPts val="500"/>
+          <a:spcPts val="367"/>
         </a:spcBef>
         <a:buFont typeface="Arial" panose="020B0604020202020204" pitchFamily="34" charset="0"/>
         <a:buChar char="•"/>
-        <a:defRPr sz="1800" kern="1200">
+        <a:defRPr sz="1320" kern="1200">
           <a:solidFill>
             <a:schemeClr val="tx1"/>
           </a:solidFill>
@@ -3150,16 +2802,16 @@
           <a:cs typeface="+mn-cs"/>
         </a:defRPr>
       </a:lvl6pPr>
-      <a:lvl7pPr marL="2971800" indent="-228600" algn="l" defTabSz="914400" rtl="0" eaLnBrk="1" latinLnBrk="0" hangingPunct="1">
+      <a:lvl7pPr marL="2179221" indent="-167632" algn="l" defTabSz="670530" rtl="0" eaLnBrk="1" latinLnBrk="0" hangingPunct="1">
         <a:lnSpc>
           <a:spcPct val="90000"/>
         </a:lnSpc>
         <a:spcBef>
-          <a:spcPts val="500"/>
+          <a:spcPts val="367"/>
         </a:spcBef>
         <a:buFont typeface="Arial" panose="020B0604020202020204" pitchFamily="34" charset="0"/>
         <a:buChar char="•"/>
-        <a:defRPr sz="1800" kern="1200">
+        <a:defRPr sz="1320" kern="1200">
           <a:solidFill>
             <a:schemeClr val="tx1"/>
           </a:solidFill>
@@ -3168,16 +2820,16 @@
           <a:cs typeface="+mn-cs"/>
         </a:defRPr>
       </a:lvl7pPr>
-      <a:lvl8pPr marL="3429000" indent="-228600" algn="l" defTabSz="914400" rtl="0" eaLnBrk="1" latinLnBrk="0" hangingPunct="1">
+      <a:lvl8pPr marL="2514486" indent="-167632" algn="l" defTabSz="670530" rtl="0" eaLnBrk="1" latinLnBrk="0" hangingPunct="1">
         <a:lnSpc>
           <a:spcPct val="90000"/>
         </a:lnSpc>
         <a:spcBef>
-          <a:spcPts val="500"/>
+          <a:spcPts val="367"/>
         </a:spcBef>
         <a:buFont typeface="Arial" panose="020B0604020202020204" pitchFamily="34" charset="0"/>
         <a:buChar char="•"/>
-        <a:defRPr sz="1800" kern="1200">
+        <a:defRPr sz="1320" kern="1200">
           <a:solidFill>
             <a:schemeClr val="tx1"/>
           </a:solidFill>
@@ -3186,16 +2838,16 @@
           <a:cs typeface="+mn-cs"/>
         </a:defRPr>
       </a:lvl8pPr>
-      <a:lvl9pPr marL="3886200" indent="-228600" algn="l" defTabSz="914400" rtl="0" eaLnBrk="1" latinLnBrk="0" hangingPunct="1">
+      <a:lvl9pPr marL="2849750" indent="-167632" algn="l" defTabSz="670530" rtl="0" eaLnBrk="1" latinLnBrk="0" hangingPunct="1">
         <a:lnSpc>
           <a:spcPct val="90000"/>
         </a:lnSpc>
         <a:spcBef>
-          <a:spcPts val="500"/>
+          <a:spcPts val="367"/>
         </a:spcBef>
         <a:buFont typeface="Arial" panose="020B0604020202020204" pitchFamily="34" charset="0"/>
         <a:buChar char="•"/>
-        <a:defRPr sz="1800" kern="1200">
+        <a:defRPr sz="1320" kern="1200">
           <a:solidFill>
             <a:schemeClr val="tx1"/>
           </a:solidFill>
@@ -3209,8 +2861,8 @@
       <a:defPPr>
         <a:defRPr lang="en-US"/>
       </a:defPPr>
-      <a:lvl1pPr marL="0" algn="l" defTabSz="914400" rtl="0" eaLnBrk="1" latinLnBrk="0" hangingPunct="1">
-        <a:defRPr sz="1800" kern="1200">
+      <a:lvl1pPr marL="0" algn="l" defTabSz="670530" rtl="0" eaLnBrk="1" latinLnBrk="0" hangingPunct="1">
+        <a:defRPr sz="1320" kern="1200">
           <a:solidFill>
             <a:schemeClr val="tx1"/>
           </a:solidFill>
@@ -3219,8 +2871,8 @@
           <a:cs typeface="+mn-cs"/>
         </a:defRPr>
       </a:lvl1pPr>
-      <a:lvl2pPr marL="457200" algn="l" defTabSz="914400" rtl="0" eaLnBrk="1" latinLnBrk="0" hangingPunct="1">
-        <a:defRPr sz="1800" kern="1200">
+      <a:lvl2pPr marL="335265" algn="l" defTabSz="670530" rtl="0" eaLnBrk="1" latinLnBrk="0" hangingPunct="1">
+        <a:defRPr sz="1320" kern="1200">
           <a:solidFill>
             <a:schemeClr val="tx1"/>
           </a:solidFill>
@@ -3229,8 +2881,8 @@
           <a:cs typeface="+mn-cs"/>
         </a:defRPr>
       </a:lvl2pPr>
-      <a:lvl3pPr marL="914400" algn="l" defTabSz="914400" rtl="0" eaLnBrk="1" latinLnBrk="0" hangingPunct="1">
-        <a:defRPr sz="1800" kern="1200">
+      <a:lvl3pPr marL="670530" algn="l" defTabSz="670530" rtl="0" eaLnBrk="1" latinLnBrk="0" hangingPunct="1">
+        <a:defRPr sz="1320" kern="1200">
           <a:solidFill>
             <a:schemeClr val="tx1"/>
           </a:solidFill>
@@ -3239,8 +2891,8 @@
           <a:cs typeface="+mn-cs"/>
         </a:defRPr>
       </a:lvl3pPr>
-      <a:lvl4pPr marL="1371600" algn="l" defTabSz="914400" rtl="0" eaLnBrk="1" latinLnBrk="0" hangingPunct="1">
-        <a:defRPr sz="1800" kern="1200">
+      <a:lvl4pPr marL="1005794" algn="l" defTabSz="670530" rtl="0" eaLnBrk="1" latinLnBrk="0" hangingPunct="1">
+        <a:defRPr sz="1320" kern="1200">
           <a:solidFill>
             <a:schemeClr val="tx1"/>
           </a:solidFill>
@@ -3249,8 +2901,8 @@
           <a:cs typeface="+mn-cs"/>
         </a:defRPr>
       </a:lvl4pPr>
-      <a:lvl5pPr marL="1828800" algn="l" defTabSz="914400" rtl="0" eaLnBrk="1" latinLnBrk="0" hangingPunct="1">
-        <a:defRPr sz="1800" kern="1200">
+      <a:lvl5pPr marL="1341059" algn="l" defTabSz="670530" rtl="0" eaLnBrk="1" latinLnBrk="0" hangingPunct="1">
+        <a:defRPr sz="1320" kern="1200">
           <a:solidFill>
             <a:schemeClr val="tx1"/>
           </a:solidFill>
@@ -3259,8 +2911,8 @@
           <a:cs typeface="+mn-cs"/>
         </a:defRPr>
       </a:lvl5pPr>
-      <a:lvl6pPr marL="2286000" algn="l" defTabSz="914400" rtl="0" eaLnBrk="1" latinLnBrk="0" hangingPunct="1">
-        <a:defRPr sz="1800" kern="1200">
+      <a:lvl6pPr marL="1676324" algn="l" defTabSz="670530" rtl="0" eaLnBrk="1" latinLnBrk="0" hangingPunct="1">
+        <a:defRPr sz="1320" kern="1200">
           <a:solidFill>
             <a:schemeClr val="tx1"/>
           </a:solidFill>
@@ -3269,8 +2921,8 @@
           <a:cs typeface="+mn-cs"/>
         </a:defRPr>
       </a:lvl6pPr>
-      <a:lvl7pPr marL="2743200" algn="l" defTabSz="914400" rtl="0" eaLnBrk="1" latinLnBrk="0" hangingPunct="1">
-        <a:defRPr sz="1800" kern="1200">
+      <a:lvl7pPr marL="2011589" algn="l" defTabSz="670530" rtl="0" eaLnBrk="1" latinLnBrk="0" hangingPunct="1">
+        <a:defRPr sz="1320" kern="1200">
           <a:solidFill>
             <a:schemeClr val="tx1"/>
           </a:solidFill>
@@ -3279,8 +2931,8 @@
           <a:cs typeface="+mn-cs"/>
         </a:defRPr>
       </a:lvl7pPr>
-      <a:lvl8pPr marL="3200400" algn="l" defTabSz="914400" rtl="0" eaLnBrk="1" latinLnBrk="0" hangingPunct="1">
-        <a:defRPr sz="1800" kern="1200">
+      <a:lvl8pPr marL="2346853" algn="l" defTabSz="670530" rtl="0" eaLnBrk="1" latinLnBrk="0" hangingPunct="1">
+        <a:defRPr sz="1320" kern="1200">
           <a:solidFill>
             <a:schemeClr val="tx1"/>
           </a:solidFill>
@@ -3289,8 +2941,8 @@
           <a:cs typeface="+mn-cs"/>
         </a:defRPr>
       </a:lvl8pPr>
-      <a:lvl9pPr marL="3657600" algn="l" defTabSz="914400" rtl="0" eaLnBrk="1" latinLnBrk="0" hangingPunct="1">
-        <a:defRPr sz="1800" kern="1200">
+      <a:lvl9pPr marL="2682118" algn="l" defTabSz="670530" rtl="0" eaLnBrk="1" latinLnBrk="0" hangingPunct="1">
+        <a:defRPr sz="1320" kern="1200">
           <a:solidFill>
             <a:schemeClr val="tx1"/>
           </a:solidFill>
@@ -3323,6 +2975,272 @@
       </p:grpSpPr>
       <p:sp>
         <p:nvSpPr>
+          <p:cNvPr id="49" name="Rectangle: Rounded Corners 48">
+            <a:extLst>
+              <a:ext uri="{FF2B5EF4-FFF2-40B4-BE49-F238E27FC236}">
+                <a16:creationId xmlns:a16="http://schemas.microsoft.com/office/drawing/2014/main" id="{04D4E655-65A6-7B73-F896-EDCB59B3FE8E}"/>
+              </a:ext>
+            </a:extLst>
+          </p:cNvPr>
+          <p:cNvSpPr/>
+          <p:nvPr/>
+        </p:nvSpPr>
+        <p:spPr>
+          <a:xfrm>
+            <a:off x="180800" y="70544"/>
+            <a:ext cx="2743808" cy="4933289"/>
+          </a:xfrm>
+          <a:prstGeom prst="roundRect">
+            <a:avLst/>
+          </a:prstGeom>
+          <a:ln>
+            <a:solidFill>
+              <a:schemeClr val="tx1"/>
+            </a:solidFill>
+          </a:ln>
+        </p:spPr>
+        <p:style>
+          <a:lnRef idx="2">
+            <a:schemeClr val="accent6"/>
+          </a:lnRef>
+          <a:fillRef idx="1">
+            <a:schemeClr val="lt1"/>
+          </a:fillRef>
+          <a:effectRef idx="0">
+            <a:schemeClr val="accent6"/>
+          </a:effectRef>
+          <a:fontRef idx="minor">
+            <a:schemeClr val="dk1"/>
+          </a:fontRef>
+        </p:style>
+        <p:txBody>
+          <a:bodyPr rtlCol="0" anchor="ctr"/>
+          <a:lstStyle/>
+          <a:p>
+            <a:pPr algn="ctr"/>
+            <a:endParaRPr lang="en-US"/>
+          </a:p>
+        </p:txBody>
+      </p:sp>
+      <p:cxnSp>
+        <p:nvCxnSpPr>
+          <p:cNvPr id="90" name="Straight Connector 89">
+            <a:extLst>
+              <a:ext uri="{FF2B5EF4-FFF2-40B4-BE49-F238E27FC236}">
+                <a16:creationId xmlns:a16="http://schemas.microsoft.com/office/drawing/2014/main" id="{9AB3848F-6523-E8F5-7F6B-F28EDCE4EBB2}"/>
+              </a:ext>
+            </a:extLst>
+          </p:cNvPr>
+          <p:cNvCxnSpPr>
+            <a:cxnSpLocks/>
+          </p:cNvCxnSpPr>
+          <p:nvPr/>
+        </p:nvCxnSpPr>
+        <p:spPr>
+          <a:xfrm>
+            <a:off x="1004918" y="3711249"/>
+            <a:ext cx="0" cy="680062"/>
+          </a:xfrm>
+          <a:prstGeom prst="line">
+            <a:avLst/>
+          </a:prstGeom>
+          <a:ln w="34925">
+            <a:headEnd type="triangle" w="lg" len="lg"/>
+            <a:tailEnd type="none"/>
+          </a:ln>
+        </p:spPr>
+        <p:style>
+          <a:lnRef idx="1">
+            <a:schemeClr val="accent1"/>
+          </a:lnRef>
+          <a:fillRef idx="0">
+            <a:schemeClr val="accent1"/>
+          </a:fillRef>
+          <a:effectRef idx="0">
+            <a:schemeClr val="accent1"/>
+          </a:effectRef>
+          <a:fontRef idx="minor">
+            <a:schemeClr val="tx1"/>
+          </a:fontRef>
+        </p:style>
+      </p:cxnSp>
+      <p:cxnSp>
+        <p:nvCxnSpPr>
+          <p:cNvPr id="95" name="Straight Connector 94">
+            <a:extLst>
+              <a:ext uri="{FF2B5EF4-FFF2-40B4-BE49-F238E27FC236}">
+                <a16:creationId xmlns:a16="http://schemas.microsoft.com/office/drawing/2014/main" id="{B347379D-674B-8B1A-529B-0254DFA9BB9A}"/>
+              </a:ext>
+            </a:extLst>
+          </p:cNvPr>
+          <p:cNvCxnSpPr>
+            <a:cxnSpLocks/>
+          </p:cNvCxnSpPr>
+          <p:nvPr/>
+        </p:nvCxnSpPr>
+        <p:spPr>
+          <a:xfrm flipV="1">
+            <a:off x="2198106" y="3635661"/>
+            <a:ext cx="0" cy="702042"/>
+          </a:xfrm>
+          <a:prstGeom prst="line">
+            <a:avLst/>
+          </a:prstGeom>
+          <a:ln w="34925">
+            <a:headEnd type="triangle" w="lg" len="lg"/>
+            <a:tailEnd type="none"/>
+          </a:ln>
+        </p:spPr>
+        <p:style>
+          <a:lnRef idx="1">
+            <a:schemeClr val="accent1"/>
+          </a:lnRef>
+          <a:fillRef idx="0">
+            <a:schemeClr val="accent1"/>
+          </a:fillRef>
+          <a:effectRef idx="0">
+            <a:schemeClr val="accent1"/>
+          </a:effectRef>
+          <a:fontRef idx="minor">
+            <a:schemeClr val="tx1"/>
+          </a:fontRef>
+        </p:style>
+      </p:cxnSp>
+      <p:cxnSp>
+        <p:nvCxnSpPr>
+          <p:cNvPr id="66" name="Straight Connector 65">
+            <a:extLst>
+              <a:ext uri="{FF2B5EF4-FFF2-40B4-BE49-F238E27FC236}">
+                <a16:creationId xmlns:a16="http://schemas.microsoft.com/office/drawing/2014/main" id="{EA35A15B-742B-4BC0-3AC9-5CC65023A723}"/>
+              </a:ext>
+            </a:extLst>
+          </p:cNvPr>
+          <p:cNvCxnSpPr>
+            <a:cxnSpLocks/>
+          </p:cNvCxnSpPr>
+          <p:nvPr/>
+        </p:nvCxnSpPr>
+        <p:spPr>
+          <a:xfrm rot="-2700000">
+            <a:off x="1316377" y="1227910"/>
+            <a:ext cx="4838" cy="634906"/>
+          </a:xfrm>
+          <a:prstGeom prst="line">
+            <a:avLst/>
+          </a:prstGeom>
+          <a:ln w="34925">
+            <a:headEnd type="none"/>
+            <a:tailEnd type="triangle" w="lg" len="lg"/>
+          </a:ln>
+        </p:spPr>
+        <p:style>
+          <a:lnRef idx="1">
+            <a:schemeClr val="accent1"/>
+          </a:lnRef>
+          <a:fillRef idx="0">
+            <a:schemeClr val="accent1"/>
+          </a:fillRef>
+          <a:effectRef idx="0">
+            <a:schemeClr val="accent1"/>
+          </a:effectRef>
+          <a:fontRef idx="minor">
+            <a:schemeClr val="tx1"/>
+          </a:fontRef>
+        </p:style>
+      </p:cxnSp>
+      <p:cxnSp>
+        <p:nvCxnSpPr>
+          <p:cNvPr id="69" name="Straight Connector 68">
+            <a:extLst>
+              <a:ext uri="{FF2B5EF4-FFF2-40B4-BE49-F238E27FC236}">
+                <a16:creationId xmlns:a16="http://schemas.microsoft.com/office/drawing/2014/main" id="{1E59AA51-D594-2DF6-5FA8-D0A762058CF7}"/>
+              </a:ext>
+            </a:extLst>
+          </p:cNvPr>
+          <p:cNvCxnSpPr>
+            <a:cxnSpLocks/>
+          </p:cNvCxnSpPr>
+          <p:nvPr/>
+        </p:nvCxnSpPr>
+        <p:spPr>
+          <a:xfrm rot="2700000" flipH="1" flipV="1">
+            <a:off x="1796005" y="1164092"/>
+            <a:ext cx="3" cy="709444"/>
+          </a:xfrm>
+          <a:prstGeom prst="line">
+            <a:avLst/>
+          </a:prstGeom>
+          <a:ln w="34925">
+            <a:headEnd type="triangle" w="lg" len="lg"/>
+            <a:tailEnd type="none"/>
+          </a:ln>
+        </p:spPr>
+        <p:style>
+          <a:lnRef idx="1">
+            <a:schemeClr val="accent1"/>
+          </a:lnRef>
+          <a:fillRef idx="0">
+            <a:schemeClr val="accent1"/>
+          </a:fillRef>
+          <a:effectRef idx="0">
+            <a:schemeClr val="accent1"/>
+          </a:effectRef>
+          <a:fontRef idx="minor">
+            <a:schemeClr val="tx1"/>
+          </a:fontRef>
+        </p:style>
+      </p:cxnSp>
+      <p:sp>
+        <p:nvSpPr>
+          <p:cNvPr id="50" name="Rectangle: Rounded Corners 49">
+            <a:extLst>
+              <a:ext uri="{FF2B5EF4-FFF2-40B4-BE49-F238E27FC236}">
+                <a16:creationId xmlns:a16="http://schemas.microsoft.com/office/drawing/2014/main" id="{8970B689-6C44-3CAE-A28D-3DC27DDDB30B}"/>
+              </a:ext>
+            </a:extLst>
+          </p:cNvPr>
+          <p:cNvSpPr/>
+          <p:nvPr/>
+        </p:nvSpPr>
+        <p:spPr>
+          <a:xfrm rot="16200000">
+            <a:off x="5676947" y="-539135"/>
+            <a:ext cx="1893913" cy="7036632"/>
+          </a:xfrm>
+          <a:prstGeom prst="roundRect">
+            <a:avLst/>
+          </a:prstGeom>
+          <a:ln>
+            <a:solidFill>
+              <a:schemeClr val="tx1"/>
+            </a:solidFill>
+          </a:ln>
+        </p:spPr>
+        <p:style>
+          <a:lnRef idx="2">
+            <a:schemeClr val="accent6"/>
+          </a:lnRef>
+          <a:fillRef idx="1">
+            <a:schemeClr val="lt1"/>
+          </a:fillRef>
+          <a:effectRef idx="0">
+            <a:schemeClr val="accent6"/>
+          </a:effectRef>
+          <a:fontRef idx="minor">
+            <a:schemeClr val="dk1"/>
+          </a:fontRef>
+        </p:style>
+        <p:txBody>
+          <a:bodyPr rtlCol="0" anchor="ctr"/>
+          <a:lstStyle/>
+          <a:p>
+            <a:pPr algn="ctr"/>
+            <a:endParaRPr lang="en-US"/>
+          </a:p>
+        </p:txBody>
+      </p:sp>
+      <p:sp>
+        <p:nvSpPr>
           <p:cNvPr id="4" name="Rectangle 3">
             <a:extLst>
               <a:ext uri="{FF2B5EF4-FFF2-40B4-BE49-F238E27FC236}">
@@ -3335,12 +3253,18 @@
         </p:nvSpPr>
         <p:spPr>
           <a:xfrm>
-            <a:off x="255467" y="2288144"/>
-            <a:ext cx="2188723" cy="1643974"/>
+            <a:off x="570994" y="2746107"/>
+            <a:ext cx="1957024" cy="962025"/>
           </a:xfrm>
           <a:prstGeom prst="rect">
             <a:avLst/>
           </a:prstGeom>
+          <a:solidFill>
+            <a:schemeClr val="accent1">
+              <a:lumMod val="40000"/>
+              <a:lumOff val="60000"/>
+            </a:schemeClr>
+          </a:solidFill>
         </p:spPr>
         <p:style>
           <a:lnRef idx="2">
@@ -3364,15 +3288,23 @@
           <a:p>
             <a:pPr algn="ctr"/>
             <a:r>
-              <a:rPr lang="en-US" dirty="0"/>
+              <a:rPr lang="en-US" dirty="0">
+                <a:solidFill>
+                  <a:schemeClr val="tx1"/>
+                </a:solidFill>
+              </a:rPr>
               <a:t>Database</a:t>
             </a:r>
           </a:p>
           <a:p>
             <a:pPr algn="ctr"/>
             <a:r>
-              <a:rPr lang="en-US" dirty="0"/>
-              <a:t>(synthesize datasets, data cleaning,</a:t>
+              <a:rPr lang="en-US" sz="1400" dirty="0">
+                <a:solidFill>
+                  <a:schemeClr val="tx1"/>
+                </a:solidFill>
+              </a:rPr>
+              <a:t>(synthesized and cleaned datasets)</a:t>
             </a:r>
           </a:p>
         </p:txBody>
@@ -3391,12 +3323,18 @@
         </p:nvSpPr>
         <p:spPr>
           <a:xfrm>
-            <a:off x="179961" y="4611606"/>
-            <a:ext cx="2188723" cy="1643974"/>
+            <a:off x="571504" y="1769646"/>
+            <a:ext cx="1957025" cy="510753"/>
           </a:xfrm>
           <a:prstGeom prst="rect">
             <a:avLst/>
           </a:prstGeom>
+          <a:solidFill>
+            <a:schemeClr val="accent1">
+              <a:lumMod val="40000"/>
+              <a:lumOff val="60000"/>
+            </a:schemeClr>
+          </a:solidFill>
         </p:spPr>
         <p:style>
           <a:lnRef idx="2">
@@ -3420,16 +3358,12 @@
           <a:p>
             <a:pPr algn="ctr"/>
             <a:r>
-              <a:rPr lang="en-US" dirty="0"/>
-              <a:t>Data Extraction (web scraping, </a:t>
-            </a:r>
-            <a:r>
-              <a:rPr lang="en-US" dirty="0" err="1"/>
-              <a:t>imdb</a:t>
-            </a:r>
-            <a:r>
-              <a:rPr lang="en-US" dirty="0"/>
-              <a:t> dataset, movie lens dataset)</a:t>
+              <a:rPr lang="en-US" dirty="0">
+                <a:solidFill>
+                  <a:schemeClr val="tx1"/>
+                </a:solidFill>
+              </a:rPr>
+              <a:t>Data wrangling</a:t>
             </a:r>
           </a:p>
         </p:txBody>
@@ -3448,12 +3382,18 @@
         </p:nvSpPr>
         <p:spPr>
           <a:xfrm>
-            <a:off x="2806570" y="2486517"/>
-            <a:ext cx="2556972" cy="1170060"/>
+            <a:off x="3360825" y="2801240"/>
+            <a:ext cx="2157568" cy="863491"/>
           </a:xfrm>
           <a:prstGeom prst="rect">
             <a:avLst/>
           </a:prstGeom>
+          <a:solidFill>
+            <a:schemeClr val="accent1">
+              <a:lumMod val="40000"/>
+              <a:lumOff val="60000"/>
+            </a:schemeClr>
+          </a:solidFill>
         </p:spPr>
         <p:style>
           <a:lnRef idx="2">
@@ -3477,22 +3417,34 @@
           <a:p>
             <a:pPr algn="ctr"/>
             <a:r>
-              <a:rPr lang="en-US" dirty="0"/>
+              <a:rPr lang="en-US" dirty="0">
+                <a:solidFill>
+                  <a:schemeClr val="tx1"/>
+                </a:solidFill>
+              </a:rPr>
               <a:t>Data preprocessing</a:t>
             </a:r>
           </a:p>
           <a:p>
             <a:pPr algn="ctr"/>
             <a:r>
-              <a:rPr lang="en-US" dirty="0"/>
-              <a:t>And </a:t>
+              <a:rPr lang="en-US" sz="1400" dirty="0">
+                <a:solidFill>
+                  <a:schemeClr val="tx1"/>
+                </a:solidFill>
+              </a:rPr>
+              <a:t>- exploratory data analysis</a:t>
             </a:r>
           </a:p>
           <a:p>
             <a:pPr algn="ctr"/>
             <a:r>
-              <a:rPr lang="en-US" dirty="0"/>
-              <a:t>Feature engineering</a:t>
+              <a:rPr lang="en-US" sz="1400" dirty="0">
+                <a:solidFill>
+                  <a:schemeClr val="tx1"/>
+                </a:solidFill>
+              </a:rPr>
+              <a:t>- feature engineering</a:t>
             </a:r>
           </a:p>
         </p:txBody>
@@ -3511,12 +3463,18 @@
         </p:nvSpPr>
         <p:spPr>
           <a:xfrm>
-            <a:off x="5718516" y="2441435"/>
-            <a:ext cx="1591104" cy="1260224"/>
+            <a:off x="5926177" y="2801236"/>
+            <a:ext cx="2226498" cy="863492"/>
           </a:xfrm>
           <a:prstGeom prst="rect">
             <a:avLst/>
           </a:prstGeom>
+          <a:solidFill>
+            <a:schemeClr val="accent1">
+              <a:lumMod val="40000"/>
+              <a:lumOff val="60000"/>
+            </a:schemeClr>
+          </a:solidFill>
         </p:spPr>
         <p:style>
           <a:lnRef idx="2">
@@ -3540,8 +3498,34 @@
           <a:p>
             <a:pPr algn="ctr"/>
             <a:r>
-              <a:rPr lang="en-US" dirty="0"/>
-              <a:t>Model building (hyperparameter selection)</a:t>
+              <a:rPr lang="en-US" dirty="0">
+                <a:solidFill>
+                  <a:schemeClr val="tx1"/>
+                </a:solidFill>
+              </a:rPr>
+              <a:t>Model training </a:t>
+            </a:r>
+          </a:p>
+          <a:p>
+            <a:pPr algn="ctr"/>
+            <a:r>
+              <a:rPr lang="en-US" sz="1400" dirty="0">
+                <a:solidFill>
+                  <a:schemeClr val="tx1"/>
+                </a:solidFill>
+              </a:rPr>
+              <a:t>- hyperparameter selection</a:t>
+            </a:r>
+          </a:p>
+          <a:p>
+            <a:pPr algn="ctr"/>
+            <a:r>
+              <a:rPr lang="en-US" sz="1400" dirty="0">
+                <a:solidFill>
+                  <a:schemeClr val="tx1"/>
+                </a:solidFill>
+              </a:rPr>
+              <a:t>- ranking procedure</a:t>
             </a:r>
           </a:p>
         </p:txBody>
@@ -3560,12 +3544,18 @@
         </p:nvSpPr>
         <p:spPr>
           <a:xfrm>
-            <a:off x="10493889" y="2586462"/>
-            <a:ext cx="1591103" cy="1195095"/>
+            <a:off x="10372365" y="2805850"/>
+            <a:ext cx="1591103" cy="854553"/>
           </a:xfrm>
           <a:prstGeom prst="rect">
             <a:avLst/>
           </a:prstGeom>
+          <a:solidFill>
+            <a:schemeClr val="accent1">
+              <a:lumMod val="40000"/>
+              <a:lumOff val="60000"/>
+            </a:schemeClr>
+          </a:solidFill>
         </p:spPr>
         <p:style>
           <a:lnRef idx="2">
@@ -3589,12 +3579,394 @@
           <a:p>
             <a:pPr algn="ctr"/>
             <a:r>
+              <a:rPr lang="en-US" dirty="0">
+                <a:solidFill>
+                  <a:schemeClr val="tx1"/>
+                </a:solidFill>
+              </a:rPr>
+              <a:t>Model</a:t>
+            </a:r>
+          </a:p>
+          <a:p>
+            <a:pPr algn="ctr"/>
+            <a:r>
+              <a:rPr lang="en-US" dirty="0">
+                <a:solidFill>
+                  <a:schemeClr val="tx1"/>
+                </a:solidFill>
+              </a:rPr>
+              <a:t>deployment</a:t>
+            </a:r>
+          </a:p>
+        </p:txBody>
+      </p:sp>
+      <p:cxnSp>
+        <p:nvCxnSpPr>
+          <p:cNvPr id="25" name="Straight Connector 24">
+            <a:extLst>
+              <a:ext uri="{FF2B5EF4-FFF2-40B4-BE49-F238E27FC236}">
+                <a16:creationId xmlns:a16="http://schemas.microsoft.com/office/drawing/2014/main" id="{59328341-CA95-8BCA-63FB-DFC25DDF9035}"/>
+              </a:ext>
+            </a:extLst>
+          </p:cNvPr>
+          <p:cNvCxnSpPr>
+            <a:cxnSpLocks/>
+            <a:stCxn id="10" idx="2"/>
+          </p:cNvCxnSpPr>
+          <p:nvPr/>
+        </p:nvCxnSpPr>
+        <p:spPr>
+          <a:xfrm>
+            <a:off x="11167917" y="3660403"/>
+            <a:ext cx="0" cy="922016"/>
+          </a:xfrm>
+          <a:prstGeom prst="line">
+            <a:avLst/>
+          </a:prstGeom>
+          <a:ln w="34925"/>
+        </p:spPr>
+        <p:style>
+          <a:lnRef idx="1">
+            <a:schemeClr val="accent1"/>
+          </a:lnRef>
+          <a:fillRef idx="0">
+            <a:schemeClr val="accent1"/>
+          </a:fillRef>
+          <a:effectRef idx="0">
+            <a:schemeClr val="accent1"/>
+          </a:effectRef>
+          <a:fontRef idx="minor">
+            <a:schemeClr val="tx1"/>
+          </a:fontRef>
+        </p:style>
+      </p:cxnSp>
+      <p:sp>
+        <p:nvSpPr>
+          <p:cNvPr id="20" name="Rectangle 19">
+            <a:extLst>
+              <a:ext uri="{FF2B5EF4-FFF2-40B4-BE49-F238E27FC236}">
+                <a16:creationId xmlns:a16="http://schemas.microsoft.com/office/drawing/2014/main" id="{A5987D62-B6D5-7913-9963-4D005367F51C}"/>
+              </a:ext>
+            </a:extLst>
+          </p:cNvPr>
+          <p:cNvSpPr/>
+          <p:nvPr/>
+        </p:nvSpPr>
+        <p:spPr>
+          <a:xfrm>
+            <a:off x="571504" y="4330190"/>
+            <a:ext cx="1957021" cy="549278"/>
+          </a:xfrm>
+          <a:prstGeom prst="rect">
+            <a:avLst/>
+          </a:prstGeom>
+          <a:solidFill>
+            <a:schemeClr val="accent1">
+              <a:lumMod val="40000"/>
+              <a:lumOff val="60000"/>
+            </a:schemeClr>
+          </a:solidFill>
+        </p:spPr>
+        <p:style>
+          <a:lnRef idx="2">
+            <a:schemeClr val="accent1">
+              <a:shade val="15000"/>
+            </a:schemeClr>
+          </a:lnRef>
+          <a:fillRef idx="1">
+            <a:schemeClr val="accent1"/>
+          </a:fillRef>
+          <a:effectRef idx="0">
+            <a:schemeClr val="accent1"/>
+          </a:effectRef>
+          <a:fontRef idx="minor">
+            <a:schemeClr val="lt1"/>
+          </a:fontRef>
+        </p:style>
+        <p:txBody>
+          <a:bodyPr rtlCol="0" anchor="ctr"/>
+          <a:lstStyle/>
+          <a:p>
+            <a:pPr algn="ctr"/>
+            <a:r>
+              <a:rPr lang="en-US" dirty="0">
+                <a:solidFill>
+                  <a:schemeClr val="tx1"/>
+                </a:solidFill>
+              </a:rPr>
+              <a:t>Database updating</a:t>
+            </a:r>
+          </a:p>
+        </p:txBody>
+      </p:sp>
+      <p:sp>
+        <p:nvSpPr>
+          <p:cNvPr id="51" name="TextBox 50">
+            <a:extLst>
+              <a:ext uri="{FF2B5EF4-FFF2-40B4-BE49-F238E27FC236}">
+                <a16:creationId xmlns:a16="http://schemas.microsoft.com/office/drawing/2014/main" id="{4F1C3FB3-7530-1559-6B04-B6D877E1CF42}"/>
+              </a:ext>
+            </a:extLst>
+          </p:cNvPr>
+          <p:cNvSpPr txBox="1"/>
+          <p:nvPr/>
+        </p:nvSpPr>
+        <p:spPr>
+          <a:xfrm>
+            <a:off x="180800" y="52870"/>
+            <a:ext cx="2743808" cy="369332"/>
+          </a:xfrm>
+          <a:prstGeom prst="rect">
+            <a:avLst/>
+          </a:prstGeom>
+          <a:noFill/>
+        </p:spPr>
+        <p:txBody>
+          <a:bodyPr wrap="square" rtlCol="0">
+            <a:spAutoFit/>
+          </a:bodyPr>
+          <a:lstStyle/>
+          <a:p>
+            <a:pPr algn="ctr"/>
+            <a:r>
               <a:rPr lang="en-US" dirty="0"/>
-              <a:t>Deployment</a:t>
-            </a:r>
-          </a:p>
-        </p:txBody>
-      </p:sp>
+              <a:t>Data Engineering</a:t>
+            </a:r>
+          </a:p>
+        </p:txBody>
+      </p:sp>
+      <p:sp>
+        <p:nvSpPr>
+          <p:cNvPr id="52" name="TextBox 51">
+            <a:extLst>
+              <a:ext uri="{FF2B5EF4-FFF2-40B4-BE49-F238E27FC236}">
+                <a16:creationId xmlns:a16="http://schemas.microsoft.com/office/drawing/2014/main" id="{C12D8EF4-78AD-A410-860F-8579D1D33533}"/>
+              </a:ext>
+            </a:extLst>
+          </p:cNvPr>
+          <p:cNvSpPr txBox="1"/>
+          <p:nvPr/>
+        </p:nvSpPr>
+        <p:spPr>
+          <a:xfrm>
+            <a:off x="3105583" y="1984049"/>
+            <a:ext cx="7036632" cy="369332"/>
+          </a:xfrm>
+          <a:prstGeom prst="rect">
+            <a:avLst/>
+          </a:prstGeom>
+          <a:noFill/>
+        </p:spPr>
+        <p:txBody>
+          <a:bodyPr wrap="square" rtlCol="0">
+            <a:spAutoFit/>
+          </a:bodyPr>
+          <a:lstStyle/>
+          <a:p>
+            <a:pPr algn="ctr"/>
+            <a:r>
+              <a:rPr lang="en-US" dirty="0"/>
+              <a:t>Machine Learning</a:t>
+            </a:r>
+          </a:p>
+        </p:txBody>
+      </p:sp>
+      <p:sp>
+        <p:nvSpPr>
+          <p:cNvPr id="63" name="Rectangle 62">
+            <a:extLst>
+              <a:ext uri="{FF2B5EF4-FFF2-40B4-BE49-F238E27FC236}">
+                <a16:creationId xmlns:a16="http://schemas.microsoft.com/office/drawing/2014/main" id="{8C7DD552-3798-1D90-3D2B-CF2ECEC504FA}"/>
+              </a:ext>
+            </a:extLst>
+          </p:cNvPr>
+          <p:cNvSpPr/>
+          <p:nvPr/>
+        </p:nvSpPr>
+        <p:spPr>
+          <a:xfrm>
+            <a:off x="467373" y="451439"/>
+            <a:ext cx="978513" cy="867355"/>
+          </a:xfrm>
+          <a:prstGeom prst="rect">
+            <a:avLst/>
+          </a:prstGeom>
+          <a:solidFill>
+            <a:schemeClr val="accent1">
+              <a:lumMod val="40000"/>
+              <a:lumOff val="60000"/>
+            </a:schemeClr>
+          </a:solidFill>
+        </p:spPr>
+        <p:style>
+          <a:lnRef idx="2">
+            <a:schemeClr val="accent1">
+              <a:shade val="15000"/>
+            </a:schemeClr>
+          </a:lnRef>
+          <a:fillRef idx="1">
+            <a:schemeClr val="accent1"/>
+          </a:fillRef>
+          <a:effectRef idx="0">
+            <a:schemeClr val="accent1"/>
+          </a:effectRef>
+          <a:fontRef idx="minor">
+            <a:schemeClr val="lt1"/>
+          </a:fontRef>
+        </p:style>
+        <p:txBody>
+          <a:bodyPr rtlCol="0" anchor="ctr"/>
+          <a:lstStyle/>
+          <a:p>
+            <a:pPr algn="ctr"/>
+            <a:r>
+              <a:rPr lang="en-US" dirty="0">
+                <a:solidFill>
+                  <a:schemeClr val="tx1"/>
+                </a:solidFill>
+              </a:rPr>
+              <a:t>Raw script dataset</a:t>
+            </a:r>
+          </a:p>
+        </p:txBody>
+      </p:sp>
+      <p:sp>
+        <p:nvSpPr>
+          <p:cNvPr id="64" name="Rectangle 63">
+            <a:extLst>
+              <a:ext uri="{FF2B5EF4-FFF2-40B4-BE49-F238E27FC236}">
+                <a16:creationId xmlns:a16="http://schemas.microsoft.com/office/drawing/2014/main" id="{322680B9-7F4C-067E-9D07-2B3404C63891}"/>
+              </a:ext>
+            </a:extLst>
+          </p:cNvPr>
+          <p:cNvSpPr/>
+          <p:nvPr/>
+        </p:nvSpPr>
+        <p:spPr>
+          <a:xfrm>
+            <a:off x="1732162" y="457374"/>
+            <a:ext cx="978513" cy="867355"/>
+          </a:xfrm>
+          <a:prstGeom prst="rect">
+            <a:avLst/>
+          </a:prstGeom>
+          <a:solidFill>
+            <a:schemeClr val="accent1">
+              <a:lumMod val="40000"/>
+              <a:lumOff val="60000"/>
+            </a:schemeClr>
+          </a:solidFill>
+        </p:spPr>
+        <p:style>
+          <a:lnRef idx="2">
+            <a:schemeClr val="accent1">
+              <a:shade val="15000"/>
+            </a:schemeClr>
+          </a:lnRef>
+          <a:fillRef idx="1">
+            <a:schemeClr val="accent1"/>
+          </a:fillRef>
+          <a:effectRef idx="0">
+            <a:schemeClr val="accent1"/>
+          </a:effectRef>
+          <a:fontRef idx="minor">
+            <a:schemeClr val="lt1"/>
+          </a:fontRef>
+        </p:style>
+        <p:txBody>
+          <a:bodyPr rtlCol="0" anchor="ctr"/>
+          <a:lstStyle/>
+          <a:p>
+            <a:pPr algn="ctr"/>
+            <a:r>
+              <a:rPr lang="en-US" dirty="0">
+                <a:solidFill>
+                  <a:schemeClr val="tx1"/>
+                </a:solidFill>
+              </a:rPr>
+              <a:t>Public datasets</a:t>
+            </a:r>
+          </a:p>
+        </p:txBody>
+      </p:sp>
+      <p:cxnSp>
+        <p:nvCxnSpPr>
+          <p:cNvPr id="77" name="Straight Connector 76">
+            <a:extLst>
+              <a:ext uri="{FF2B5EF4-FFF2-40B4-BE49-F238E27FC236}">
+                <a16:creationId xmlns:a16="http://schemas.microsoft.com/office/drawing/2014/main" id="{18D9F086-C2FF-C810-E248-453015175947}"/>
+              </a:ext>
+            </a:extLst>
+          </p:cNvPr>
+          <p:cNvCxnSpPr>
+            <a:cxnSpLocks/>
+          </p:cNvCxnSpPr>
+          <p:nvPr/>
+        </p:nvCxnSpPr>
+        <p:spPr>
+          <a:xfrm flipH="1">
+            <a:off x="4434388" y="2378214"/>
+            <a:ext cx="4820404" cy="18471"/>
+          </a:xfrm>
+          <a:prstGeom prst="line">
+            <a:avLst/>
+          </a:prstGeom>
+          <a:ln w="34925"/>
+        </p:spPr>
+        <p:style>
+          <a:lnRef idx="1">
+            <a:schemeClr val="accent1"/>
+          </a:lnRef>
+          <a:fillRef idx="0">
+            <a:schemeClr val="accent1"/>
+          </a:fillRef>
+          <a:effectRef idx="0">
+            <a:schemeClr val="accent1"/>
+          </a:effectRef>
+          <a:fontRef idx="minor">
+            <a:schemeClr val="tx1"/>
+          </a:fontRef>
+        </p:style>
+      </p:cxnSp>
+      <p:cxnSp>
+        <p:nvCxnSpPr>
+          <p:cNvPr id="82" name="Straight Connector 81">
+            <a:extLst>
+              <a:ext uri="{FF2B5EF4-FFF2-40B4-BE49-F238E27FC236}">
+                <a16:creationId xmlns:a16="http://schemas.microsoft.com/office/drawing/2014/main" id="{D91EDEC3-FA62-0BDC-F181-571EA17091E6}"/>
+              </a:ext>
+            </a:extLst>
+          </p:cNvPr>
+          <p:cNvCxnSpPr>
+            <a:cxnSpLocks/>
+          </p:cNvCxnSpPr>
+          <p:nvPr/>
+        </p:nvCxnSpPr>
+        <p:spPr>
+          <a:xfrm>
+            <a:off x="9237175" y="2396681"/>
+            <a:ext cx="0" cy="400226"/>
+          </a:xfrm>
+          <a:prstGeom prst="line">
+            <a:avLst/>
+          </a:prstGeom>
+          <a:ln w="34925"/>
+        </p:spPr>
+        <p:style>
+          <a:lnRef idx="1">
+            <a:schemeClr val="accent1"/>
+          </a:lnRef>
+          <a:fillRef idx="0">
+            <a:schemeClr val="accent1"/>
+          </a:fillRef>
+          <a:effectRef idx="0">
+            <a:schemeClr val="accent1"/>
+          </a:effectRef>
+          <a:fontRef idx="minor">
+            <a:schemeClr val="tx1"/>
+          </a:fontRef>
+        </p:style>
+      </p:cxnSp>
       <p:sp>
         <p:nvSpPr>
           <p:cNvPr id="11" name="Rectangle 10">
@@ -3609,12 +3981,18 @@
         </p:nvSpPr>
         <p:spPr>
           <a:xfrm>
-            <a:off x="7741369" y="2090023"/>
-            <a:ext cx="2427778" cy="2040216"/>
+            <a:off x="8523730" y="2796907"/>
+            <a:ext cx="1421810" cy="863492"/>
           </a:xfrm>
           <a:prstGeom prst="rect">
             <a:avLst/>
           </a:prstGeom>
+          <a:solidFill>
+            <a:schemeClr val="accent1">
+              <a:lumMod val="40000"/>
+              <a:lumOff val="60000"/>
+            </a:schemeClr>
+          </a:solidFill>
         </p:spPr>
         <p:style>
           <a:lnRef idx="2">
@@ -3637,73 +4015,45 @@
           <a:lstStyle/>
           <a:p>
             <a:pPr algn="ctr"/>
-            <a:endParaRPr lang="en-US" dirty="0"/>
-          </a:p>
-          <a:p>
-            <a:pPr algn="ctr"/>
-            <a:r>
-              <a:rPr lang="en-US" dirty="0"/>
-              <a:t>Model Evaluation</a:t>
-            </a:r>
-          </a:p>
-          <a:p>
-            <a:pPr algn="ctr"/>
-            <a:r>
-              <a:rPr lang="en-US" dirty="0"/>
-              <a:t>Prediction and ranking development</a:t>
-            </a:r>
-          </a:p>
-          <a:p>
-            <a:pPr algn="ctr"/>
-            <a:endParaRPr lang="en-US" dirty="0"/>
-          </a:p>
-          <a:p>
-            <a:pPr algn="ctr"/>
-            <a:r>
-              <a:rPr lang="en-US" dirty="0"/>
-              <a:t>Similarity metric</a:t>
-            </a:r>
-          </a:p>
-          <a:p>
-            <a:pPr algn="ctr"/>
-            <a:endParaRPr lang="en-US" dirty="0"/>
-          </a:p>
-          <a:p>
-            <a:pPr algn="ctr"/>
-            <a:r>
-              <a:rPr lang="en-US" dirty="0"/>
-              <a:t>Filtering</a:t>
-            </a:r>
-          </a:p>
-          <a:p>
-            <a:pPr algn="ctr"/>
-            <a:r>
-              <a:rPr lang="en-US" dirty="0"/>
-              <a:t>Ranking order</a:t>
+            <a:r>
+              <a:rPr lang="en-US" dirty="0">
+                <a:solidFill>
+                  <a:schemeClr val="tx1"/>
+                </a:solidFill>
+              </a:rPr>
+              <a:t>Model evaluation</a:t>
             </a:r>
           </a:p>
         </p:txBody>
       </p:sp>
       <p:cxnSp>
         <p:nvCxnSpPr>
-          <p:cNvPr id="25" name="Straight Connector 24">
+          <p:cNvPr id="86" name="Straight Connector 85">
             <a:extLst>
               <a:ext uri="{FF2B5EF4-FFF2-40B4-BE49-F238E27FC236}">
-                <a16:creationId xmlns:a16="http://schemas.microsoft.com/office/drawing/2014/main" id="{59328341-CA95-8BCA-63FB-DFC25DDF9035}"/>
+                <a16:creationId xmlns:a16="http://schemas.microsoft.com/office/drawing/2014/main" id="{5B044961-946C-09C4-CA6C-A1DF59221827}"/>
               </a:ext>
             </a:extLst>
           </p:cNvPr>
-          <p:cNvCxnSpPr/>
+          <p:cNvCxnSpPr>
+            <a:cxnSpLocks/>
+            <a:stCxn id="4" idx="0"/>
+            <a:endCxn id="5" idx="2"/>
+          </p:cNvCxnSpPr>
           <p:nvPr/>
         </p:nvCxnSpPr>
         <p:spPr>
-          <a:xfrm>
-            <a:off x="11396448" y="4212077"/>
-            <a:ext cx="0" cy="1624519"/>
+          <a:xfrm flipV="1">
+            <a:off x="1549510" y="2280395"/>
+            <a:ext cx="507" cy="465708"/>
           </a:xfrm>
           <a:prstGeom prst="line">
             <a:avLst/>
           </a:prstGeom>
+          <a:ln w="34925">
+            <a:headEnd type="triangle" w="lg" len="lg"/>
+            <a:tailEnd type="none"/>
+          </a:ln>
         </p:spPr>
         <p:style>
           <a:lnRef idx="1">
@@ -3722,10 +4072,272 @@
       </p:cxnSp>
       <p:cxnSp>
         <p:nvCxnSpPr>
-          <p:cNvPr id="26" name="Straight Connector 25">
+          <p:cNvPr id="98" name="Straight Connector 97">
             <a:extLst>
               <a:ext uri="{FF2B5EF4-FFF2-40B4-BE49-F238E27FC236}">
-                <a16:creationId xmlns:a16="http://schemas.microsoft.com/office/drawing/2014/main" id="{9AAC47D0-650B-DE99-E0AC-FA39AE49AB17}"/>
+                <a16:creationId xmlns:a16="http://schemas.microsoft.com/office/drawing/2014/main" id="{F019CCCA-81B9-B764-9C65-3500E7381123}"/>
+              </a:ext>
+            </a:extLst>
+          </p:cNvPr>
+          <p:cNvCxnSpPr>
+            <a:cxnSpLocks/>
+            <a:stCxn id="8" idx="1"/>
+            <a:endCxn id="4" idx="3"/>
+          </p:cNvCxnSpPr>
+          <p:nvPr/>
+        </p:nvCxnSpPr>
+        <p:spPr>
+          <a:xfrm flipH="1" flipV="1">
+            <a:off x="2528022" y="3227116"/>
+            <a:ext cx="832807" cy="5866"/>
+          </a:xfrm>
+          <a:prstGeom prst="line">
+            <a:avLst/>
+          </a:prstGeom>
+          <a:ln w="34925">
+            <a:headEnd type="triangle" w="lg" len="lg"/>
+            <a:tailEnd type="none"/>
+          </a:ln>
+        </p:spPr>
+        <p:style>
+          <a:lnRef idx="1">
+            <a:schemeClr val="accent1"/>
+          </a:lnRef>
+          <a:fillRef idx="0">
+            <a:schemeClr val="accent1"/>
+          </a:fillRef>
+          <a:effectRef idx="0">
+            <a:schemeClr val="accent1"/>
+          </a:effectRef>
+          <a:fontRef idx="minor">
+            <a:schemeClr val="tx1"/>
+          </a:fontRef>
+        </p:style>
+      </p:cxnSp>
+      <p:cxnSp>
+        <p:nvCxnSpPr>
+          <p:cNvPr id="102" name="Straight Connector 101">
+            <a:extLst>
+              <a:ext uri="{FF2B5EF4-FFF2-40B4-BE49-F238E27FC236}">
+                <a16:creationId xmlns:a16="http://schemas.microsoft.com/office/drawing/2014/main" id="{1DA91F69-DEA7-C2FF-4EE1-000B2AEC2A62}"/>
+              </a:ext>
+            </a:extLst>
+          </p:cNvPr>
+          <p:cNvCxnSpPr>
+            <a:cxnSpLocks/>
+            <a:stCxn id="9" idx="1"/>
+            <a:endCxn id="8" idx="3"/>
+          </p:cNvCxnSpPr>
+          <p:nvPr/>
+        </p:nvCxnSpPr>
+        <p:spPr>
+          <a:xfrm flipH="1">
+            <a:off x="5518393" y="3232982"/>
+            <a:ext cx="407784" cy="0"/>
+          </a:xfrm>
+          <a:prstGeom prst="line">
+            <a:avLst/>
+          </a:prstGeom>
+          <a:ln w="34925">
+            <a:headEnd type="triangle" w="lg" len="lg"/>
+            <a:tailEnd type="none"/>
+          </a:ln>
+        </p:spPr>
+        <p:style>
+          <a:lnRef idx="1">
+            <a:schemeClr val="accent1"/>
+          </a:lnRef>
+          <a:fillRef idx="0">
+            <a:schemeClr val="accent1"/>
+          </a:fillRef>
+          <a:effectRef idx="0">
+            <a:schemeClr val="accent1"/>
+          </a:effectRef>
+          <a:fontRef idx="minor">
+            <a:schemeClr val="tx1"/>
+          </a:fontRef>
+        </p:style>
+      </p:cxnSp>
+      <p:cxnSp>
+        <p:nvCxnSpPr>
+          <p:cNvPr id="105" name="Straight Connector 104">
+            <a:extLst>
+              <a:ext uri="{FF2B5EF4-FFF2-40B4-BE49-F238E27FC236}">
+                <a16:creationId xmlns:a16="http://schemas.microsoft.com/office/drawing/2014/main" id="{1D4E7083-F289-6DF9-3593-12F2B39976D7}"/>
+              </a:ext>
+            </a:extLst>
+          </p:cNvPr>
+          <p:cNvCxnSpPr>
+            <a:cxnSpLocks/>
+            <a:stCxn id="11" idx="1"/>
+            <a:endCxn id="9" idx="3"/>
+          </p:cNvCxnSpPr>
+          <p:nvPr/>
+        </p:nvCxnSpPr>
+        <p:spPr>
+          <a:xfrm flipH="1">
+            <a:off x="8152679" y="3228657"/>
+            <a:ext cx="371055" cy="4329"/>
+          </a:xfrm>
+          <a:prstGeom prst="line">
+            <a:avLst/>
+          </a:prstGeom>
+          <a:ln w="34925">
+            <a:headEnd type="triangle" w="lg" len="lg"/>
+            <a:tailEnd type="none"/>
+          </a:ln>
+        </p:spPr>
+        <p:style>
+          <a:lnRef idx="1">
+            <a:schemeClr val="accent1"/>
+          </a:lnRef>
+          <a:fillRef idx="0">
+            <a:schemeClr val="accent1"/>
+          </a:fillRef>
+          <a:effectRef idx="0">
+            <a:schemeClr val="accent1"/>
+          </a:effectRef>
+          <a:fontRef idx="minor">
+            <a:schemeClr val="tx1"/>
+          </a:fontRef>
+        </p:style>
+      </p:cxnSp>
+      <p:cxnSp>
+        <p:nvCxnSpPr>
+          <p:cNvPr id="108" name="Straight Connector 107">
+            <a:extLst>
+              <a:ext uri="{FF2B5EF4-FFF2-40B4-BE49-F238E27FC236}">
+                <a16:creationId xmlns:a16="http://schemas.microsoft.com/office/drawing/2014/main" id="{6182CA22-6635-B623-6095-29FE4F5E4BA8}"/>
+              </a:ext>
+            </a:extLst>
+          </p:cNvPr>
+          <p:cNvCxnSpPr>
+            <a:cxnSpLocks/>
+            <a:stCxn id="10" idx="1"/>
+            <a:endCxn id="11" idx="3"/>
+          </p:cNvCxnSpPr>
+          <p:nvPr/>
+        </p:nvCxnSpPr>
+        <p:spPr>
+          <a:xfrm flipH="1" flipV="1">
+            <a:off x="9945544" y="3228653"/>
+            <a:ext cx="426821" cy="4470"/>
+          </a:xfrm>
+          <a:prstGeom prst="line">
+            <a:avLst/>
+          </a:prstGeom>
+          <a:ln w="34925">
+            <a:headEnd type="triangle" w="lg" len="lg"/>
+            <a:tailEnd type="none"/>
+          </a:ln>
+        </p:spPr>
+        <p:style>
+          <a:lnRef idx="1">
+            <a:schemeClr val="accent1"/>
+          </a:lnRef>
+          <a:fillRef idx="0">
+            <a:schemeClr val="accent1"/>
+          </a:fillRef>
+          <a:effectRef idx="0">
+            <a:schemeClr val="accent1"/>
+          </a:effectRef>
+          <a:fontRef idx="minor">
+            <a:schemeClr val="tx1"/>
+          </a:fontRef>
+        </p:style>
+      </p:cxnSp>
+      <p:cxnSp>
+        <p:nvCxnSpPr>
+          <p:cNvPr id="111" name="Straight Connector 110">
+            <a:extLst>
+              <a:ext uri="{FF2B5EF4-FFF2-40B4-BE49-F238E27FC236}">
+                <a16:creationId xmlns:a16="http://schemas.microsoft.com/office/drawing/2014/main" id="{845E418B-C50F-947B-B560-3C81C3A5F92F}"/>
+              </a:ext>
+            </a:extLst>
+          </p:cNvPr>
+          <p:cNvCxnSpPr>
+            <a:cxnSpLocks/>
+            <a:stCxn id="48" idx="3"/>
+          </p:cNvCxnSpPr>
+          <p:nvPr/>
+        </p:nvCxnSpPr>
+        <p:spPr>
+          <a:xfrm flipV="1">
+            <a:off x="7930830" y="4565746"/>
+            <a:ext cx="3225775" cy="16677"/>
+          </a:xfrm>
+          <a:prstGeom prst="line">
+            <a:avLst/>
+          </a:prstGeom>
+          <a:ln w="34925">
+            <a:headEnd type="triangle" w="lg" len="lg"/>
+            <a:tailEnd type="none"/>
+          </a:ln>
+        </p:spPr>
+        <p:style>
+          <a:lnRef idx="1">
+            <a:schemeClr val="accent1"/>
+          </a:lnRef>
+          <a:fillRef idx="0">
+            <a:schemeClr val="accent1"/>
+          </a:fillRef>
+          <a:effectRef idx="0">
+            <a:schemeClr val="accent1"/>
+          </a:effectRef>
+          <a:fontRef idx="minor">
+            <a:schemeClr val="tx1"/>
+          </a:fontRef>
+        </p:style>
+      </p:cxnSp>
+      <p:cxnSp>
+        <p:nvCxnSpPr>
+          <p:cNvPr id="115" name="Straight Connector 114">
+            <a:extLst>
+              <a:ext uri="{FF2B5EF4-FFF2-40B4-BE49-F238E27FC236}">
+                <a16:creationId xmlns:a16="http://schemas.microsoft.com/office/drawing/2014/main" id="{02D60A26-E102-D67C-6139-0445E13F5855}"/>
+              </a:ext>
+            </a:extLst>
+          </p:cNvPr>
+          <p:cNvCxnSpPr>
+            <a:cxnSpLocks/>
+            <a:stCxn id="8" idx="2"/>
+          </p:cNvCxnSpPr>
+          <p:nvPr/>
+        </p:nvCxnSpPr>
+        <p:spPr>
+          <a:xfrm flipH="1">
+            <a:off x="4434388" y="3664731"/>
+            <a:ext cx="5221" cy="917688"/>
+          </a:xfrm>
+          <a:prstGeom prst="line">
+            <a:avLst/>
+          </a:prstGeom>
+          <a:ln w="34925">
+            <a:headEnd type="triangle" w="lg" len="lg"/>
+            <a:tailEnd type="none"/>
+          </a:ln>
+        </p:spPr>
+        <p:style>
+          <a:lnRef idx="1">
+            <a:schemeClr val="accent1"/>
+          </a:lnRef>
+          <a:fillRef idx="0">
+            <a:schemeClr val="accent1"/>
+          </a:fillRef>
+          <a:effectRef idx="0">
+            <a:schemeClr val="accent1"/>
+          </a:effectRef>
+          <a:fontRef idx="minor">
+            <a:schemeClr val="tx1"/>
+          </a:fontRef>
+        </p:style>
+      </p:cxnSp>
+      <p:cxnSp>
+        <p:nvCxnSpPr>
+          <p:cNvPr id="118" name="Straight Connector 117">
+            <a:extLst>
+              <a:ext uri="{FF2B5EF4-FFF2-40B4-BE49-F238E27FC236}">
+                <a16:creationId xmlns:a16="http://schemas.microsoft.com/office/drawing/2014/main" id="{A090DD68-0F91-3065-A1DD-812EC7EA9264}"/>
               </a:ext>
             </a:extLst>
           </p:cNvPr>
@@ -3735,13 +4347,14 @@
           <p:nvPr/>
         </p:nvCxnSpPr>
         <p:spPr>
-          <a:xfrm flipH="1">
-            <a:off x="2684834" y="5836596"/>
-            <a:ext cx="8711614" cy="0"/>
+          <a:xfrm>
+            <a:off x="4417882" y="4582419"/>
+            <a:ext cx="3230693" cy="0"/>
           </a:xfrm>
           <a:prstGeom prst="line">
             <a:avLst/>
           </a:prstGeom>
+          <a:ln w="34925"/>
         </p:spPr>
         <p:style>
           <a:lnRef idx="1">
@@ -3758,6 +4371,144 @@
           </a:fontRef>
         </p:style>
       </p:cxnSp>
+      <p:cxnSp>
+        <p:nvCxnSpPr>
+          <p:cNvPr id="123" name="Straight Connector 122">
+            <a:extLst>
+              <a:ext uri="{FF2B5EF4-FFF2-40B4-BE49-F238E27FC236}">
+                <a16:creationId xmlns:a16="http://schemas.microsoft.com/office/drawing/2014/main" id="{84C85933-AF61-E0D7-6511-10E9D608D4D7}"/>
+              </a:ext>
+            </a:extLst>
+          </p:cNvPr>
+          <p:cNvCxnSpPr>
+            <a:cxnSpLocks/>
+            <a:stCxn id="8" idx="0"/>
+          </p:cNvCxnSpPr>
+          <p:nvPr/>
+        </p:nvCxnSpPr>
+        <p:spPr>
+          <a:xfrm flipV="1">
+            <a:off x="4439609" y="2380119"/>
+            <a:ext cx="0" cy="421121"/>
+          </a:xfrm>
+          <a:prstGeom prst="line">
+            <a:avLst/>
+          </a:prstGeom>
+          <a:ln w="34925">
+            <a:headEnd type="triangle" w="lg" len="lg"/>
+            <a:tailEnd type="none"/>
+          </a:ln>
+        </p:spPr>
+        <p:style>
+          <a:lnRef idx="1">
+            <a:schemeClr val="accent1"/>
+          </a:lnRef>
+          <a:fillRef idx="0">
+            <a:schemeClr val="accent1"/>
+          </a:fillRef>
+          <a:effectRef idx="0">
+            <a:schemeClr val="accent1"/>
+          </a:effectRef>
+          <a:fontRef idx="minor">
+            <a:schemeClr val="tx1"/>
+          </a:fontRef>
+        </p:style>
+      </p:cxnSp>
+      <p:sp>
+        <p:nvSpPr>
+          <p:cNvPr id="48" name="Rectangle 47">
+            <a:extLst>
+              <a:ext uri="{FF2B5EF4-FFF2-40B4-BE49-F238E27FC236}">
+                <a16:creationId xmlns:a16="http://schemas.microsoft.com/office/drawing/2014/main" id="{2FE3970C-160A-8F59-9932-3BA1311FBF60}"/>
+              </a:ext>
+            </a:extLst>
+          </p:cNvPr>
+          <p:cNvSpPr/>
+          <p:nvPr/>
+        </p:nvSpPr>
+        <p:spPr>
+          <a:xfrm>
+            <a:off x="6339727" y="4190059"/>
+            <a:ext cx="1591103" cy="784727"/>
+          </a:xfrm>
+          <a:prstGeom prst="rect">
+            <a:avLst/>
+          </a:prstGeom>
+          <a:solidFill>
+            <a:schemeClr val="accent1">
+              <a:lumMod val="40000"/>
+              <a:lumOff val="60000"/>
+            </a:schemeClr>
+          </a:solidFill>
+        </p:spPr>
+        <p:style>
+          <a:lnRef idx="2">
+            <a:schemeClr val="accent1">
+              <a:shade val="15000"/>
+            </a:schemeClr>
+          </a:lnRef>
+          <a:fillRef idx="1">
+            <a:schemeClr val="accent1"/>
+          </a:fillRef>
+          <a:effectRef idx="0">
+            <a:schemeClr val="accent1"/>
+          </a:effectRef>
+          <a:fontRef idx="minor">
+            <a:schemeClr val="lt1"/>
+          </a:fontRef>
+        </p:style>
+        <p:txBody>
+          <a:bodyPr rtlCol="0" anchor="ctr"/>
+          <a:lstStyle/>
+          <a:p>
+            <a:pPr algn="ctr"/>
+            <a:r>
+              <a:rPr lang="en-US" dirty="0">
+                <a:solidFill>
+                  <a:schemeClr val="tx1"/>
+                </a:solidFill>
+              </a:rPr>
+              <a:t>Model feedback</a:t>
+            </a:r>
+          </a:p>
+        </p:txBody>
+      </p:sp>
+      <p:sp>
+        <p:nvSpPr>
+          <p:cNvPr id="188" name="TextBox 187">
+            <a:extLst>
+              <a:ext uri="{FF2B5EF4-FFF2-40B4-BE49-F238E27FC236}">
+                <a16:creationId xmlns:a16="http://schemas.microsoft.com/office/drawing/2014/main" id="{35A3AF36-DCEE-5554-EF64-17D05A8DFE4A}"/>
+              </a:ext>
+            </a:extLst>
+          </p:cNvPr>
+          <p:cNvSpPr txBox="1"/>
+          <p:nvPr/>
+        </p:nvSpPr>
+        <p:spPr>
+          <a:xfrm>
+            <a:off x="4105073" y="70544"/>
+            <a:ext cx="5321030" cy="954107"/>
+          </a:xfrm>
+          <a:prstGeom prst="rect">
+            <a:avLst/>
+          </a:prstGeom>
+          <a:noFill/>
+        </p:spPr>
+        <p:txBody>
+          <a:bodyPr wrap="square" rtlCol="0">
+            <a:spAutoFit/>
+          </a:bodyPr>
+          <a:lstStyle/>
+          <a:p>
+            <a:pPr algn="ctr"/>
+            <a:r>
+              <a:rPr lang="en-US" sz="2800" dirty="0"/>
+              <a:t>Content-Based Movie Recommender System Workflow</a:t>
+            </a:r>
+          </a:p>
+        </p:txBody>
+      </p:sp>
     </p:spTree>
     <p:extLst>
       <p:ext uri="{BB962C8B-B14F-4D97-AF65-F5344CB8AC3E}">
@@ -3774,7 +4525,7 @@
 <file path=ppt/theme/theme1.xml><?xml version="1.0" encoding="utf-8"?>
 <a:theme xmlns:a="http://schemas.openxmlformats.org/drawingml/2006/main" name="Office Theme">
   <a:themeElements>
-    <a:clrScheme name="Office">
+    <a:clrScheme name="Office Theme">
       <a:dk1>
         <a:sysClr val="windowText" lastClr="000000"/>
       </a:dk1>
@@ -3812,7 +4563,7 @@
         <a:srgbClr val="954F72"/>
       </a:folHlink>
     </a:clrScheme>
-    <a:fontScheme name="Office">
+    <a:fontScheme name="Office Theme">
       <a:majorFont>
         <a:latin typeface="Calibri Light" panose="020F0302020204030204"/>
         <a:ea typeface=""/>
@@ -3847,23 +4598,6 @@
         <a:font script="Viet" typeface="Times New Roman"/>
         <a:font script="Uigh" typeface="Microsoft Uighur"/>
         <a:font script="Geor" typeface="Sylfaen"/>
-        <a:font script="Armn" typeface="Arial"/>
-        <a:font script="Bugi" typeface="Leelawadee UI"/>
-        <a:font script="Bopo" typeface="Microsoft JhengHei"/>
-        <a:font script="Java" typeface="Javanese Text"/>
-        <a:font script="Lisu" typeface="Segoe UI"/>
-        <a:font script="Mymr" typeface="Myanmar Text"/>
-        <a:font script="Nkoo" typeface="Ebrima"/>
-        <a:font script="Olck" typeface="Nirmala UI"/>
-        <a:font script="Osma" typeface="Ebrima"/>
-        <a:font script="Phag" typeface="Phagspa"/>
-        <a:font script="Syrn" typeface="Estrangelo Edessa"/>
-        <a:font script="Syrj" typeface="Estrangelo Edessa"/>
-        <a:font script="Syre" typeface="Estrangelo Edessa"/>
-        <a:font script="Sora" typeface="Nirmala UI"/>
-        <a:font script="Tale" typeface="Microsoft Tai Le"/>
-        <a:font script="Talu" typeface="Microsoft New Tai Lue"/>
-        <a:font script="Tfng" typeface="Ebrima"/>
       </a:majorFont>
       <a:minorFont>
         <a:latin typeface="Calibri" panose="020F0502020204030204"/>
@@ -3899,26 +4633,9 @@
         <a:font script="Viet" typeface="Arial"/>
         <a:font script="Uigh" typeface="Microsoft Uighur"/>
         <a:font script="Geor" typeface="Sylfaen"/>
-        <a:font script="Armn" typeface="Arial"/>
-        <a:font script="Bugi" typeface="Leelawadee UI"/>
-        <a:font script="Bopo" typeface="Microsoft JhengHei"/>
-        <a:font script="Java" typeface="Javanese Text"/>
-        <a:font script="Lisu" typeface="Segoe UI"/>
-        <a:font script="Mymr" typeface="Myanmar Text"/>
-        <a:font script="Nkoo" typeface="Ebrima"/>
-        <a:font script="Olck" typeface="Nirmala UI"/>
-        <a:font script="Osma" typeface="Ebrima"/>
-        <a:font script="Phag" typeface="Phagspa"/>
-        <a:font script="Syrn" typeface="Estrangelo Edessa"/>
-        <a:font script="Syrj" typeface="Estrangelo Edessa"/>
-        <a:font script="Syre" typeface="Estrangelo Edessa"/>
-        <a:font script="Sora" typeface="Nirmala UI"/>
-        <a:font script="Tale" typeface="Microsoft Tai Le"/>
-        <a:font script="Talu" typeface="Microsoft New Tai Lue"/>
-        <a:font script="Tfng" typeface="Ebrima"/>
       </a:minorFont>
     </a:fontScheme>
-    <a:fmtScheme name="Office">
+    <a:fmtScheme name="Office Theme">
       <a:fillStyleLst>
         <a:solidFill>
           <a:schemeClr val="phClr"/>
@@ -4060,13 +4777,28 @@
   <a:extraClrSchemeLst/>
   <a:extLst>
     <a:ext uri="{05A4C25C-085E-4340-85A3-A5531E510DB2}">
-      <thm15:themeFamily xmlns:thm15="http://schemas.microsoft.com/office/thememl/2012/main" name="Office Theme" id="{62F939B6-93AF-4DB8-9C6B-D6C7DFDC589F}" vid="{4A3C46E8-61CC-4603-A589-7422A47A8E4A}"/>
+      <thm15:themeFamily xmlns:thm15="http://schemas.microsoft.com/office/thememl/2012/main" name="Office Theme 2013 - 2022" id="{62F939B6-93AF-4DB8-9C6B-D6C7DFDC589F}" vid="{4A3C46E8-61CC-4603-A589-7422A47A8E4A}"/>
     </a:ext>
   </a:extLst>
 </a:theme>
 </file>
 
 <file path=customXml/item1.xml><?xml version="1.0" encoding="utf-8"?>
+<p:properties xmlns:p="http://schemas.microsoft.com/office/2006/metadata/properties" xmlns:xsi="http://www.w3.org/2001/XMLSchema-instance" xmlns:pc="http://schemas.microsoft.com/office/infopath/2007/PartnerControls">
+  <documentManagement/>
+</p:properties>
+</file>
+
+<file path=customXml/item2.xml><?xml version="1.0" encoding="utf-8"?>
+<?mso-contentType ?>
+<FormTemplates xmlns="http://schemas.microsoft.com/sharepoint/v3/contenttype/forms">
+  <Display>DocumentLibraryForm</Display>
+  <Edit>DocumentLibraryForm</Edit>
+  <New>DocumentLibraryForm</New>
+</FormTemplates>
+</file>
+
+<file path=customXml/item3.xml><?xml version="1.0" encoding="utf-8"?>
 <ct:contentTypeSchema xmlns:ct="http://schemas.microsoft.com/office/2006/metadata/contentType" xmlns:ma="http://schemas.microsoft.com/office/2006/metadata/properties/metaAttributes" ct:_="" ma:_="" ma:contentTypeName="Document" ma:contentTypeID="0x0101002ADD9461207AAF46963E966C10F44718" ma:contentTypeVersion="0" ma:contentTypeDescription="Create a new document." ma:contentTypeScope="" ma:versionID="981f7b8e372e880302cee74e342ef014">
   <xsd:schema xmlns:xsd="http://www.w3.org/2001/XMLSchema" xmlns:xs="http://www.w3.org/2001/XMLSchema" xmlns:p="http://schemas.microsoft.com/office/2006/metadata/properties" targetNamespace="http://schemas.microsoft.com/office/2006/metadata/properties" ma:root="true" ma:fieldsID="6065b0337e3b92882dce6e5632cc42cc">
     <xsd:element name="properties">
@@ -4180,22 +4912,30 @@
 </ct:contentTypeSchema>
 </file>
 
-<file path=customXml/item2.xml><?xml version="1.0" encoding="utf-8"?>
-<?mso-contentType ?>
-<FormTemplates xmlns="http://schemas.microsoft.com/sharepoint/v3/contenttype/forms">
-  <Display>DocumentLibraryForm</Display>
-  <Edit>DocumentLibraryForm</Edit>
-  <New>DocumentLibraryForm</New>
-</FormTemplates>
+<file path=customXml/itemProps1.xml><?xml version="1.0" encoding="utf-8"?>
+<ds:datastoreItem xmlns:ds="http://schemas.openxmlformats.org/officeDocument/2006/customXml" ds:itemID="{0D37A734-5CFD-441D-AFD9-4349074C4BCE}">
+  <ds:schemaRefs>
+    <ds:schemaRef ds:uri="http://purl.org/dc/elements/1.1/"/>
+    <ds:schemaRef ds:uri="http://schemas.microsoft.com/office/2006/documentManagement/types"/>
+    <ds:schemaRef ds:uri="http://purl.org/dc/terms/"/>
+    <ds:schemaRef ds:uri="http://schemas.microsoft.com/office/infopath/2007/PartnerControls"/>
+    <ds:schemaRef ds:uri="http://schemas.openxmlformats.org/package/2006/metadata/core-properties"/>
+    <ds:schemaRef ds:uri="http://schemas.microsoft.com/office/2006/metadata/properties"/>
+    <ds:schemaRef ds:uri="http://www.w3.org/XML/1998/namespace"/>
+    <ds:schemaRef ds:uri="http://purl.org/dc/dcmitype/"/>
+  </ds:schemaRefs>
+</ds:datastoreItem>
 </file>
 
-<file path=customXml/item3.xml><?xml version="1.0" encoding="utf-8"?>
-<p:properties xmlns:p="http://schemas.microsoft.com/office/2006/metadata/properties" xmlns:xsi="http://www.w3.org/2001/XMLSchema-instance" xmlns:pc="http://schemas.microsoft.com/office/infopath/2007/PartnerControls">
-  <documentManagement/>
-</p:properties>
+<file path=customXml/itemProps2.xml><?xml version="1.0" encoding="utf-8"?>
+<ds:datastoreItem xmlns:ds="http://schemas.openxmlformats.org/officeDocument/2006/customXml" ds:itemID="{03BA6FE9-148D-45A8-831D-29F3951C7E98}">
+  <ds:schemaRefs>
+    <ds:schemaRef ds:uri="http://schemas.microsoft.com/sharepoint/v3/contenttype/forms"/>
+  </ds:schemaRefs>
+</ds:datastoreItem>
 </file>
 
-<file path=customXml/itemProps1.xml><?xml version="1.0" encoding="utf-8"?>
+<file path=customXml/itemProps3.xml><?xml version="1.0" encoding="utf-8"?>
 <ds:datastoreItem xmlns:ds="http://schemas.openxmlformats.org/officeDocument/2006/customXml" ds:itemID="{BFC6F3D3-5CEA-4176-814E-E659EE8F2A68}">
   <ds:schemaRefs>
     <ds:schemaRef ds:uri="http://schemas.microsoft.com/office/2006/metadata/contentType"/>
@@ -4209,27 +4949,4 @@
     <ds:schemaRef ds:uri="http://schemas.microsoft.com/office/infopath/2007/PartnerControls"/>
   </ds:schemaRefs>
 </ds:datastoreItem>
-</file>
-
-<file path=customXml/itemProps2.xml><?xml version="1.0" encoding="utf-8"?>
-<ds:datastoreItem xmlns:ds="http://schemas.openxmlformats.org/officeDocument/2006/customXml" ds:itemID="{03BA6FE9-148D-45A8-831D-29F3951C7E98}">
-  <ds:schemaRefs>
-    <ds:schemaRef ds:uri="http://schemas.microsoft.com/sharepoint/v3/contenttype/forms"/>
-  </ds:schemaRefs>
-</ds:datastoreItem>
-</file>
-
-<file path=customXml/itemProps3.xml><?xml version="1.0" encoding="utf-8"?>
-<ds:datastoreItem xmlns:ds="http://schemas.openxmlformats.org/officeDocument/2006/customXml" ds:itemID="{0D37A734-5CFD-441D-AFD9-4349074C4BCE}">
-  <ds:schemaRefs>
-    <ds:schemaRef ds:uri="http://purl.org/dc/elements/1.1/"/>
-    <ds:schemaRef ds:uri="http://schemas.microsoft.com/office/2006/documentManagement/types"/>
-    <ds:schemaRef ds:uri="http://purl.org/dc/terms/"/>
-    <ds:schemaRef ds:uri="http://schemas.microsoft.com/office/infopath/2007/PartnerControls"/>
-    <ds:schemaRef ds:uri="http://schemas.openxmlformats.org/package/2006/metadata/core-properties"/>
-    <ds:schemaRef ds:uri="http://schemas.microsoft.com/office/2006/metadata/properties"/>
-    <ds:schemaRef ds:uri="http://www.w3.org/XML/1998/namespace"/>
-    <ds:schemaRef ds:uri="http://purl.org/dc/dcmitype/"/>
-  </ds:schemaRefs>
-</ds:datastoreItem>
 </file>